--- a/Nachdenkzettel/03_Vererbung_präsi.pptx
+++ b/Nachdenkzettel/03_Vererbung_präsi.pptx
@@ -12,9 +12,15 @@
     <p:sldId id="260" r:id="rId6"/>
     <p:sldId id="261" r:id="rId7"/>
     <p:sldId id="263" r:id="rId8"/>
-    <p:sldId id="264" r:id="rId9"/>
-    <p:sldId id="265" r:id="rId10"/>
-    <p:sldId id="266" r:id="rId11"/>
+    <p:sldId id="267" r:id="rId9"/>
+    <p:sldId id="272" r:id="rId10"/>
+    <p:sldId id="268" r:id="rId11"/>
+    <p:sldId id="269" r:id="rId12"/>
+    <p:sldId id="270" r:id="rId13"/>
+    <p:sldId id="271" r:id="rId14"/>
+    <p:sldId id="264" r:id="rId15"/>
+    <p:sldId id="265" r:id="rId16"/>
+    <p:sldId id="266" r:id="rId17"/>
   </p:sldIdLst>
   <p:sldSz cx="12192000" cy="6858000"/>
   <p:notesSz cx="6858000" cy="9144000"/>
@@ -6124,6 +6130,2871 @@
           <p:cNvPr id="2" name="Titel 1">
             <a:extLst>
               <a:ext uri="{FF2B5EF4-FFF2-40B4-BE49-F238E27FC236}">
+                <a16:creationId xmlns:a16="http://schemas.microsoft.com/office/drawing/2014/main" id="{DB6ECF5D-D6F6-46E3-BD39-38994F423896}"/>
+              </a:ext>
+            </a:extLst>
+          </p:cNvPr>
+          <p:cNvSpPr>
+            <a:spLocks noGrp="1"/>
+          </p:cNvSpPr>
+          <p:nvPr>
+            <p:ph type="title"/>
+          </p:nvPr>
+        </p:nvSpPr>
+        <p:spPr/>
+        <p:txBody>
+          <a:bodyPr/>
+          <a:lstStyle/>
+          <a:p>
+            <a:r>
+              <a:rPr lang="de-DE" dirty="0" err="1">
+                <a:latin typeface="Calibri" panose="020F0502020204030204" pitchFamily="34" charset="0"/>
+                <a:cs typeface="Calibri" panose="020F0502020204030204" pitchFamily="34" charset="0"/>
+              </a:rPr>
+              <a:t>instanceof</a:t>
+            </a:r>
+            <a:endParaRPr lang="de-DE" dirty="0">
+              <a:latin typeface="Calibri" panose="020F0502020204030204" pitchFamily="34" charset="0"/>
+              <a:cs typeface="Calibri" panose="020F0502020204030204" pitchFamily="34" charset="0"/>
+            </a:endParaRPr>
+          </a:p>
+        </p:txBody>
+      </p:sp>
+      <p:sp>
+        <p:nvSpPr>
+          <p:cNvPr id="3" name="Inhaltsplatzhalter 2">
+            <a:extLst>
+              <a:ext uri="{FF2B5EF4-FFF2-40B4-BE49-F238E27FC236}">
+                <a16:creationId xmlns:a16="http://schemas.microsoft.com/office/drawing/2014/main" id="{2AE18629-75A4-47DA-8142-7402D527F60E}"/>
+              </a:ext>
+            </a:extLst>
+          </p:cNvPr>
+          <p:cNvSpPr>
+            <a:spLocks noGrp="1"/>
+          </p:cNvSpPr>
+          <p:nvPr>
+            <p:ph idx="1"/>
+          </p:nvPr>
+        </p:nvSpPr>
+        <p:spPr>
+          <a:xfrm>
+            <a:off x="913795" y="1732449"/>
+            <a:ext cx="10353762" cy="4727074"/>
+          </a:xfrm>
+        </p:spPr>
+        <p:txBody>
+          <a:bodyPr>
+            <a:normAutofit fontScale="47500" lnSpcReduction="20000"/>
+          </a:bodyPr>
+          <a:lstStyle/>
+          <a:p>
+            <a:r>
+              <a:rPr lang="de-DE" sz="3800" dirty="0">
+                <a:solidFill>
+                  <a:schemeClr val="tx1"/>
+                </a:solidFill>
+                <a:latin typeface="Calibri" panose="020F0502020204030204" pitchFamily="34" charset="0"/>
+                <a:cs typeface="Calibri" panose="020F0502020204030204" pitchFamily="34" charset="0"/>
+              </a:rPr>
+              <a:t>Ist ein Operator</a:t>
+            </a:r>
+          </a:p>
+          <a:p>
+            <a:r>
+              <a:rPr lang="de-DE" sz="3800" dirty="0">
+                <a:solidFill>
+                  <a:schemeClr val="tx1"/>
+                </a:solidFill>
+                <a:latin typeface="Calibri" panose="020F0502020204030204" pitchFamily="34" charset="0"/>
+                <a:cs typeface="Calibri" panose="020F0502020204030204" pitchFamily="34" charset="0"/>
+              </a:rPr>
+              <a:t>Überprüft Exemplare auf Verwandtschaft mit einem Referenztyp</a:t>
+            </a:r>
+          </a:p>
+          <a:p>
+            <a:pPr lvl="1"/>
+            <a:r>
+              <a:rPr lang="de-DE" sz="2700" dirty="0" err="1">
+                <a:solidFill>
+                  <a:schemeClr val="tx1"/>
+                </a:solidFill>
+              </a:rPr>
+              <a:t>Bsp</a:t>
+            </a:r>
+            <a:r>
+              <a:rPr lang="de-DE" sz="2700" dirty="0">
+                <a:solidFill>
+                  <a:schemeClr val="tx1"/>
+                </a:solidFill>
+              </a:rPr>
+              <a:t>:</a:t>
+            </a:r>
+          </a:p>
+          <a:p>
+            <a:pPr marL="457200" lvl="1" indent="0">
+              <a:buNone/>
+            </a:pPr>
+            <a:endParaRPr lang="de-DE" sz="2000" dirty="0">
+              <a:solidFill>
+                <a:schemeClr val="tx1"/>
+              </a:solidFill>
+            </a:endParaRPr>
+          </a:p>
+          <a:p>
+            <a:pPr marL="457200" lvl="1" indent="0">
+              <a:buNone/>
+            </a:pPr>
+            <a:endParaRPr lang="de-DE" sz="2000" dirty="0">
+              <a:solidFill>
+                <a:schemeClr val="tx1"/>
+              </a:solidFill>
+            </a:endParaRPr>
+          </a:p>
+          <a:p>
+            <a:pPr marL="457200" lvl="1" indent="0">
+              <a:buNone/>
+            </a:pPr>
+            <a:endParaRPr lang="de-DE" sz="2000" dirty="0">
+              <a:solidFill>
+                <a:schemeClr val="tx1"/>
+              </a:solidFill>
+            </a:endParaRPr>
+          </a:p>
+          <a:p>
+            <a:pPr marL="457200" lvl="1" indent="0">
+              <a:buNone/>
+            </a:pPr>
+            <a:endParaRPr lang="de-DE" sz="2000" dirty="0">
+              <a:solidFill>
+                <a:schemeClr val="tx1"/>
+              </a:solidFill>
+            </a:endParaRPr>
+          </a:p>
+          <a:p>
+            <a:pPr marL="457200" lvl="1" indent="0">
+              <a:buNone/>
+            </a:pPr>
+            <a:endParaRPr lang="de-DE" sz="2000" dirty="0">
+              <a:solidFill>
+                <a:schemeClr val="tx1"/>
+              </a:solidFill>
+            </a:endParaRPr>
+          </a:p>
+          <a:p>
+            <a:pPr marL="457200" lvl="1" indent="0">
+              <a:buNone/>
+            </a:pPr>
+            <a:endParaRPr lang="de-DE" sz="2000" dirty="0">
+              <a:solidFill>
+                <a:schemeClr val="tx1"/>
+              </a:solidFill>
+            </a:endParaRPr>
+          </a:p>
+          <a:p>
+            <a:r>
+              <a:rPr lang="de-DE" sz="3800" dirty="0">
+                <a:solidFill>
+                  <a:schemeClr val="tx1"/>
+                </a:solidFill>
+                <a:latin typeface="Calibri" panose="020F0502020204030204" pitchFamily="34" charset="0"/>
+                <a:cs typeface="Calibri" panose="020F0502020204030204" pitchFamily="34" charset="0"/>
+              </a:rPr>
+              <a:t>Was nicht funktioniert:</a:t>
+            </a:r>
+          </a:p>
+          <a:p>
+            <a:pPr lvl="1"/>
+            <a:r>
+              <a:rPr lang="de-DE" sz="2900" dirty="0" err="1">
+                <a:solidFill>
+                  <a:schemeClr val="tx1"/>
+                </a:solidFill>
+                <a:effectLst/>
+                <a:latin typeface="Courier New" panose="02070309020205020404" pitchFamily="49" charset="0"/>
+                <a:cs typeface="Courier New" panose="02070309020205020404" pitchFamily="49" charset="0"/>
+              </a:rPr>
+              <a:t>System.out.println</a:t>
+            </a:r>
+            <a:r>
+              <a:rPr lang="de-DE" sz="2900" dirty="0">
+                <a:solidFill>
+                  <a:schemeClr val="tx1"/>
+                </a:solidFill>
+                <a:effectLst/>
+                <a:latin typeface="Courier New" panose="02070309020205020404" pitchFamily="49" charset="0"/>
+                <a:cs typeface="Courier New" panose="02070309020205020404" pitchFamily="49" charset="0"/>
+              </a:rPr>
+              <a:t>(„Wow“ </a:t>
+            </a:r>
+            <a:r>
+              <a:rPr lang="de-DE" sz="2900" dirty="0" err="1">
+                <a:solidFill>
+                  <a:schemeClr val="tx1"/>
+                </a:solidFill>
+                <a:effectLst/>
+                <a:latin typeface="Courier New" panose="02070309020205020404" pitchFamily="49" charset="0"/>
+                <a:cs typeface="Courier New" panose="02070309020205020404" pitchFamily="49" charset="0"/>
+              </a:rPr>
+              <a:t>instanceof</a:t>
+            </a:r>
+            <a:r>
+              <a:rPr lang="de-DE" sz="2900" dirty="0">
+                <a:solidFill>
+                  <a:schemeClr val="tx1"/>
+                </a:solidFill>
+                <a:effectLst/>
+                <a:latin typeface="Courier New" panose="02070309020205020404" pitchFamily="49" charset="0"/>
+                <a:cs typeface="Courier New" panose="02070309020205020404" pitchFamily="49" charset="0"/>
+              </a:rPr>
+              <a:t> </a:t>
+            </a:r>
+            <a:r>
+              <a:rPr lang="de-DE" sz="2900" dirty="0" err="1">
+                <a:solidFill>
+                  <a:schemeClr val="tx1"/>
+                </a:solidFill>
+                <a:effectLst/>
+                <a:latin typeface="Courier New" panose="02070309020205020404" pitchFamily="49" charset="0"/>
+                <a:cs typeface="Courier New" panose="02070309020205020404" pitchFamily="49" charset="0"/>
+              </a:rPr>
+              <a:t>Stringbuilder</a:t>
+            </a:r>
+            <a:r>
+              <a:rPr lang="de-DE" sz="2900" dirty="0">
+                <a:solidFill>
+                  <a:schemeClr val="tx1"/>
+                </a:solidFill>
+                <a:effectLst/>
+                <a:latin typeface="Courier New" panose="02070309020205020404" pitchFamily="49" charset="0"/>
+                <a:cs typeface="Courier New" panose="02070309020205020404" pitchFamily="49" charset="0"/>
+              </a:rPr>
+              <a:t>); 	//</a:t>
+            </a:r>
+            <a:r>
+              <a:rPr lang="de-DE" sz="2900" dirty="0" err="1">
+                <a:solidFill>
+                  <a:schemeClr val="tx1"/>
+                </a:solidFill>
+                <a:effectLst/>
+                <a:latin typeface="Courier New" panose="02070309020205020404" pitchFamily="49" charset="0"/>
+                <a:cs typeface="Courier New" panose="02070309020205020404" pitchFamily="49" charset="0"/>
+              </a:rPr>
+              <a:t>false</a:t>
+            </a:r>
+            <a:endParaRPr lang="de-DE" sz="2900" dirty="0">
+              <a:solidFill>
+                <a:schemeClr val="tx1"/>
+              </a:solidFill>
+              <a:effectLst/>
+              <a:latin typeface="Courier New" panose="02070309020205020404" pitchFamily="49" charset="0"/>
+              <a:cs typeface="Courier New" panose="02070309020205020404" pitchFamily="49" charset="0"/>
+            </a:endParaRPr>
+          </a:p>
+          <a:p>
+            <a:pPr lvl="1"/>
+            <a:r>
+              <a:rPr lang="de-DE" sz="2900" dirty="0" err="1">
+                <a:solidFill>
+                  <a:schemeClr val="tx1"/>
+                </a:solidFill>
+                <a:effectLst/>
+                <a:latin typeface="Courier New" panose="02070309020205020404" pitchFamily="49" charset="0"/>
+                <a:cs typeface="Courier New" panose="02070309020205020404" pitchFamily="49" charset="0"/>
+              </a:rPr>
+              <a:t>System.out.println</a:t>
+            </a:r>
+            <a:r>
+              <a:rPr lang="de-DE" sz="2900" dirty="0">
+                <a:solidFill>
+                  <a:schemeClr val="tx1"/>
+                </a:solidFill>
+                <a:effectLst/>
+                <a:latin typeface="Courier New" panose="02070309020205020404" pitchFamily="49" charset="0"/>
+                <a:cs typeface="Courier New" panose="02070309020205020404" pitchFamily="49" charset="0"/>
+              </a:rPr>
+              <a:t>(„Wow“ </a:t>
+            </a:r>
+            <a:r>
+              <a:rPr lang="de-DE" sz="2900" dirty="0" err="1">
+                <a:solidFill>
+                  <a:schemeClr val="tx1"/>
+                </a:solidFill>
+                <a:effectLst/>
+                <a:latin typeface="Courier New" panose="02070309020205020404" pitchFamily="49" charset="0"/>
+                <a:cs typeface="Courier New" panose="02070309020205020404" pitchFamily="49" charset="0"/>
+              </a:rPr>
+              <a:t>instanceof</a:t>
+            </a:r>
+            <a:r>
+              <a:rPr lang="de-DE" sz="2900" dirty="0">
+                <a:solidFill>
+                  <a:schemeClr val="tx1"/>
+                </a:solidFill>
+                <a:effectLst/>
+                <a:latin typeface="Courier New" panose="02070309020205020404" pitchFamily="49" charset="0"/>
+                <a:cs typeface="Courier New" panose="02070309020205020404" pitchFamily="49" charset="0"/>
+              </a:rPr>
+              <a:t> String); 		//</a:t>
+            </a:r>
+            <a:r>
+              <a:rPr lang="de-DE" sz="2900" dirty="0" err="1">
+                <a:solidFill>
+                  <a:schemeClr val="tx1"/>
+                </a:solidFill>
+                <a:effectLst/>
+                <a:latin typeface="Courier New" panose="02070309020205020404" pitchFamily="49" charset="0"/>
+                <a:cs typeface="Courier New" panose="02070309020205020404" pitchFamily="49" charset="0"/>
+              </a:rPr>
+              <a:t>true</a:t>
+            </a:r>
+            <a:endParaRPr lang="de-DE" sz="2900" dirty="0">
+              <a:solidFill>
+                <a:schemeClr val="tx1"/>
+              </a:solidFill>
+              <a:effectLst/>
+              <a:latin typeface="Courier New" panose="02070309020205020404" pitchFamily="49" charset="0"/>
+              <a:cs typeface="Courier New" panose="02070309020205020404" pitchFamily="49" charset="0"/>
+            </a:endParaRPr>
+          </a:p>
+          <a:p>
+            <a:pPr lvl="1"/>
+            <a:endParaRPr lang="de-DE" sz="1700" dirty="0">
+              <a:solidFill>
+                <a:schemeClr val="tx1"/>
+              </a:solidFill>
+            </a:endParaRPr>
+          </a:p>
+          <a:p>
+            <a:r>
+              <a:rPr lang="de-DE" sz="3800" dirty="0">
+                <a:solidFill>
+                  <a:schemeClr val="tx1"/>
+                </a:solidFill>
+                <a:latin typeface="Calibri" panose="020F0502020204030204" pitchFamily="34" charset="0"/>
+                <a:cs typeface="Calibri" panose="020F0502020204030204" pitchFamily="34" charset="0"/>
+              </a:rPr>
+              <a:t>null ist kein Konkretes Objekt</a:t>
+            </a:r>
+          </a:p>
+          <a:p>
+            <a:pPr lvl="1"/>
+            <a:r>
+              <a:rPr lang="de-DE" sz="2900" dirty="0">
+                <a:solidFill>
+                  <a:schemeClr val="tx1"/>
+                </a:solidFill>
+                <a:effectLst/>
+                <a:latin typeface="Courier New" panose="02070309020205020404" pitchFamily="49" charset="0"/>
+                <a:cs typeface="Courier New" panose="02070309020205020404" pitchFamily="49" charset="0"/>
+              </a:rPr>
+              <a:t>String </a:t>
+            </a:r>
+            <a:r>
+              <a:rPr lang="de-DE" sz="2900" dirty="0" err="1">
+                <a:solidFill>
+                  <a:schemeClr val="tx1"/>
+                </a:solidFill>
+                <a:effectLst/>
+                <a:latin typeface="Courier New" panose="02070309020205020404" pitchFamily="49" charset="0"/>
+                <a:cs typeface="Courier New" panose="02070309020205020404" pitchFamily="49" charset="0"/>
+              </a:rPr>
+              <a:t>ref</a:t>
+            </a:r>
+            <a:r>
+              <a:rPr lang="de-DE" sz="2900" dirty="0">
+                <a:solidFill>
+                  <a:schemeClr val="tx1"/>
+                </a:solidFill>
+                <a:effectLst/>
+                <a:latin typeface="Courier New" panose="02070309020205020404" pitchFamily="49" charset="0"/>
+                <a:cs typeface="Courier New" panose="02070309020205020404" pitchFamily="49" charset="0"/>
+              </a:rPr>
+              <a:t> = null</a:t>
+            </a:r>
+            <a:br>
+              <a:rPr lang="de-DE" sz="2900" dirty="0">
+                <a:solidFill>
+                  <a:schemeClr val="tx1"/>
+                </a:solidFill>
+                <a:effectLst/>
+                <a:latin typeface="Courier New" panose="02070309020205020404" pitchFamily="49" charset="0"/>
+                <a:cs typeface="Courier New" panose="02070309020205020404" pitchFamily="49" charset="0"/>
+              </a:rPr>
+            </a:br>
+            <a:r>
+              <a:rPr lang="de-DE" sz="2900" dirty="0" err="1">
+                <a:solidFill>
+                  <a:schemeClr val="tx1"/>
+                </a:solidFill>
+                <a:effectLst/>
+                <a:latin typeface="Courier New" panose="02070309020205020404" pitchFamily="49" charset="0"/>
+                <a:cs typeface="Courier New" panose="02070309020205020404" pitchFamily="49" charset="0"/>
+              </a:rPr>
+              <a:t>System.out.println</a:t>
+            </a:r>
+            <a:r>
+              <a:rPr lang="de-DE" sz="2900" dirty="0">
+                <a:solidFill>
+                  <a:schemeClr val="tx1"/>
+                </a:solidFill>
+                <a:effectLst/>
+                <a:latin typeface="Courier New" panose="02070309020205020404" pitchFamily="49" charset="0"/>
+                <a:cs typeface="Courier New" panose="02070309020205020404" pitchFamily="49" charset="0"/>
+              </a:rPr>
+              <a:t>(</a:t>
+            </a:r>
+            <a:r>
+              <a:rPr lang="de-DE" sz="2900" dirty="0" err="1">
+                <a:solidFill>
+                  <a:schemeClr val="tx1"/>
+                </a:solidFill>
+                <a:effectLst/>
+                <a:latin typeface="Courier New" panose="02070309020205020404" pitchFamily="49" charset="0"/>
+                <a:cs typeface="Courier New" panose="02070309020205020404" pitchFamily="49" charset="0"/>
+              </a:rPr>
+              <a:t>ref</a:t>
+            </a:r>
+            <a:r>
+              <a:rPr lang="de-DE" sz="2900" dirty="0">
+                <a:solidFill>
+                  <a:schemeClr val="tx1"/>
+                </a:solidFill>
+                <a:effectLst/>
+                <a:latin typeface="Courier New" panose="02070309020205020404" pitchFamily="49" charset="0"/>
+                <a:cs typeface="Courier New" panose="02070309020205020404" pitchFamily="49" charset="0"/>
+              </a:rPr>
+              <a:t> </a:t>
+            </a:r>
+            <a:r>
+              <a:rPr lang="de-DE" sz="2900" dirty="0" err="1">
+                <a:solidFill>
+                  <a:schemeClr val="tx1"/>
+                </a:solidFill>
+                <a:effectLst/>
+                <a:latin typeface="Courier New" panose="02070309020205020404" pitchFamily="49" charset="0"/>
+                <a:cs typeface="Courier New" panose="02070309020205020404" pitchFamily="49" charset="0"/>
+              </a:rPr>
+              <a:t>instanceof</a:t>
+            </a:r>
+            <a:r>
+              <a:rPr lang="de-DE" sz="2900" dirty="0">
+                <a:solidFill>
+                  <a:schemeClr val="tx1"/>
+                </a:solidFill>
+                <a:effectLst/>
+                <a:latin typeface="Courier New" panose="02070309020205020404" pitchFamily="49" charset="0"/>
+                <a:cs typeface="Courier New" panose="02070309020205020404" pitchFamily="49" charset="0"/>
+              </a:rPr>
+              <a:t> String); 	//</a:t>
+            </a:r>
+            <a:r>
+              <a:rPr lang="de-DE" sz="2900" dirty="0" err="1">
+                <a:solidFill>
+                  <a:schemeClr val="tx1"/>
+                </a:solidFill>
+                <a:effectLst/>
+                <a:latin typeface="Courier New" panose="02070309020205020404" pitchFamily="49" charset="0"/>
+                <a:cs typeface="Courier New" panose="02070309020205020404" pitchFamily="49" charset="0"/>
+              </a:rPr>
+              <a:t>false</a:t>
+            </a:r>
+            <a:endParaRPr lang="de-DE" sz="2900" dirty="0">
+              <a:solidFill>
+                <a:schemeClr val="tx1"/>
+              </a:solidFill>
+              <a:effectLst/>
+              <a:latin typeface="Courier New" panose="02070309020205020404" pitchFamily="49" charset="0"/>
+              <a:cs typeface="Courier New" panose="02070309020205020404" pitchFamily="49" charset="0"/>
+            </a:endParaRPr>
+          </a:p>
+          <a:p>
+            <a:endParaRPr lang="de-DE" dirty="0"/>
+          </a:p>
+        </p:txBody>
+      </p:sp>
+      <p:sp>
+        <p:nvSpPr>
+          <p:cNvPr id="5" name="Textfeld 4">
+            <a:extLst>
+              <a:ext uri="{FF2B5EF4-FFF2-40B4-BE49-F238E27FC236}">
+                <a16:creationId xmlns:a16="http://schemas.microsoft.com/office/drawing/2014/main" id="{25075E49-2580-487E-8C64-F37059DC78EF}"/>
+              </a:ext>
+            </a:extLst>
+          </p:cNvPr>
+          <p:cNvSpPr txBox="1"/>
+          <p:nvPr/>
+        </p:nvSpPr>
+        <p:spPr>
+          <a:xfrm>
+            <a:off x="1641167" y="2642677"/>
+            <a:ext cx="6996418" cy="1169551"/>
+          </a:xfrm>
+          <a:prstGeom prst="rect">
+            <a:avLst/>
+          </a:prstGeom>
+          <a:noFill/>
+        </p:spPr>
+        <p:txBody>
+          <a:bodyPr wrap="square" rtlCol="0">
+            <a:spAutoFit/>
+          </a:bodyPr>
+          <a:lstStyle/>
+          <a:p>
+            <a:r>
+              <a:rPr lang="de-DE" sz="1400" dirty="0">
+                <a:ln>
+                  <a:solidFill>
+                    <a:schemeClr val="bg1">
+                      <a:lumMod val="75000"/>
+                      <a:lumOff val="25000"/>
+                      <a:alpha val="10000"/>
+                    </a:schemeClr>
+                  </a:solidFill>
+                </a:ln>
+                <a:latin typeface="Courier New" panose="02070309020205020404" pitchFamily="49" charset="0"/>
+                <a:cs typeface="Courier New" panose="02070309020205020404" pitchFamily="49" charset="0"/>
+              </a:rPr>
+              <a:t>Animal </a:t>
+            </a:r>
+            <a:r>
+              <a:rPr lang="de-DE" sz="1400" dirty="0" err="1">
+                <a:ln>
+                  <a:solidFill>
+                    <a:schemeClr val="bg1">
+                      <a:lumMod val="75000"/>
+                      <a:lumOff val="25000"/>
+                      <a:alpha val="10000"/>
+                    </a:schemeClr>
+                  </a:solidFill>
+                </a:ln>
+                <a:latin typeface="Courier New" panose="02070309020205020404" pitchFamily="49" charset="0"/>
+                <a:cs typeface="Courier New" panose="02070309020205020404" pitchFamily="49" charset="0"/>
+              </a:rPr>
+              <a:t>brudi</a:t>
+            </a:r>
+            <a:r>
+              <a:rPr lang="de-DE" sz="1400" dirty="0">
+                <a:ln>
+                  <a:solidFill>
+                    <a:schemeClr val="bg1">
+                      <a:lumMod val="75000"/>
+                      <a:lumOff val="25000"/>
+                      <a:alpha val="10000"/>
+                    </a:schemeClr>
+                  </a:solidFill>
+                </a:ln>
+                <a:latin typeface="Courier New" panose="02070309020205020404" pitchFamily="49" charset="0"/>
+                <a:cs typeface="Courier New" panose="02070309020205020404" pitchFamily="49" charset="0"/>
+              </a:rPr>
+              <a:t> = </a:t>
+            </a:r>
+            <a:r>
+              <a:rPr lang="de-DE" sz="1400" dirty="0" err="1">
+                <a:ln>
+                  <a:solidFill>
+                    <a:schemeClr val="bg1">
+                      <a:lumMod val="75000"/>
+                      <a:lumOff val="25000"/>
+                      <a:alpha val="10000"/>
+                    </a:schemeClr>
+                  </a:solidFill>
+                </a:ln>
+                <a:latin typeface="Courier New" panose="02070309020205020404" pitchFamily="49" charset="0"/>
+                <a:cs typeface="Courier New" panose="02070309020205020404" pitchFamily="49" charset="0"/>
+              </a:rPr>
+              <a:t>new</a:t>
+            </a:r>
+            <a:r>
+              <a:rPr lang="de-DE" sz="1400" dirty="0">
+                <a:ln>
+                  <a:solidFill>
+                    <a:schemeClr val="bg1">
+                      <a:lumMod val="75000"/>
+                      <a:lumOff val="25000"/>
+                      <a:alpha val="10000"/>
+                    </a:schemeClr>
+                  </a:solidFill>
+                </a:ln>
+                <a:latin typeface="Courier New" panose="02070309020205020404" pitchFamily="49" charset="0"/>
+                <a:cs typeface="Courier New" panose="02070309020205020404" pitchFamily="49" charset="0"/>
+              </a:rPr>
+              <a:t> Cat();</a:t>
+            </a:r>
+          </a:p>
+          <a:p>
+            <a:r>
+              <a:rPr lang="de-DE" sz="1400" dirty="0" err="1">
+                <a:ln>
+                  <a:solidFill>
+                    <a:schemeClr val="bg1">
+                      <a:lumMod val="75000"/>
+                      <a:lumOff val="25000"/>
+                      <a:alpha val="10000"/>
+                    </a:schemeClr>
+                  </a:solidFill>
+                </a:ln>
+                <a:latin typeface="Courier New" panose="02070309020205020404" pitchFamily="49" charset="0"/>
+                <a:cs typeface="Courier New" panose="02070309020205020404" pitchFamily="49" charset="0"/>
+              </a:rPr>
+              <a:t>System.out.println</a:t>
+            </a:r>
+            <a:r>
+              <a:rPr lang="de-DE" sz="1400" dirty="0">
+                <a:ln>
+                  <a:solidFill>
+                    <a:schemeClr val="bg1">
+                      <a:lumMod val="75000"/>
+                      <a:lumOff val="25000"/>
+                      <a:alpha val="10000"/>
+                    </a:schemeClr>
+                  </a:solidFill>
+                </a:ln>
+                <a:latin typeface="Courier New" panose="02070309020205020404" pitchFamily="49" charset="0"/>
+                <a:cs typeface="Courier New" panose="02070309020205020404" pitchFamily="49" charset="0"/>
+              </a:rPr>
+              <a:t>(</a:t>
+            </a:r>
+            <a:r>
+              <a:rPr lang="de-DE" sz="1400" dirty="0" err="1">
+                <a:ln>
+                  <a:solidFill>
+                    <a:schemeClr val="bg1">
+                      <a:lumMod val="75000"/>
+                      <a:lumOff val="25000"/>
+                      <a:alpha val="10000"/>
+                    </a:schemeClr>
+                  </a:solidFill>
+                </a:ln>
+                <a:latin typeface="Courier New" panose="02070309020205020404" pitchFamily="49" charset="0"/>
+                <a:cs typeface="Courier New" panose="02070309020205020404" pitchFamily="49" charset="0"/>
+              </a:rPr>
+              <a:t>brudi</a:t>
+            </a:r>
+            <a:r>
+              <a:rPr lang="de-DE" sz="1400" dirty="0">
+                <a:ln>
+                  <a:solidFill>
+                    <a:schemeClr val="bg1">
+                      <a:lumMod val="75000"/>
+                      <a:lumOff val="25000"/>
+                      <a:alpha val="10000"/>
+                    </a:schemeClr>
+                  </a:solidFill>
+                </a:ln>
+                <a:latin typeface="Courier New" panose="02070309020205020404" pitchFamily="49" charset="0"/>
+                <a:cs typeface="Courier New" panose="02070309020205020404" pitchFamily="49" charset="0"/>
+              </a:rPr>
+              <a:t> </a:t>
+            </a:r>
+            <a:r>
+              <a:rPr lang="de-DE" sz="1400" dirty="0" err="1">
+                <a:ln>
+                  <a:solidFill>
+                    <a:schemeClr val="bg1">
+                      <a:lumMod val="75000"/>
+                      <a:lumOff val="25000"/>
+                      <a:alpha val="10000"/>
+                    </a:schemeClr>
+                  </a:solidFill>
+                </a:ln>
+                <a:latin typeface="Courier New" panose="02070309020205020404" pitchFamily="49" charset="0"/>
+                <a:cs typeface="Courier New" panose="02070309020205020404" pitchFamily="49" charset="0"/>
+              </a:rPr>
+              <a:t>instanceof</a:t>
+            </a:r>
+            <a:r>
+              <a:rPr lang="de-DE" sz="1400" dirty="0">
+                <a:ln>
+                  <a:solidFill>
+                    <a:schemeClr val="bg1">
+                      <a:lumMod val="75000"/>
+                      <a:lumOff val="25000"/>
+                      <a:alpha val="10000"/>
+                    </a:schemeClr>
+                  </a:solidFill>
+                </a:ln>
+                <a:latin typeface="Courier New" panose="02070309020205020404" pitchFamily="49" charset="0"/>
+                <a:cs typeface="Courier New" panose="02070309020205020404" pitchFamily="49" charset="0"/>
+              </a:rPr>
+              <a:t> Cat); 		//</a:t>
+            </a:r>
+            <a:r>
+              <a:rPr lang="de-DE" sz="1400" dirty="0" err="1">
+                <a:ln>
+                  <a:solidFill>
+                    <a:schemeClr val="bg1">
+                      <a:lumMod val="75000"/>
+                      <a:lumOff val="25000"/>
+                      <a:alpha val="10000"/>
+                    </a:schemeClr>
+                  </a:solidFill>
+                </a:ln>
+                <a:latin typeface="Courier New" panose="02070309020205020404" pitchFamily="49" charset="0"/>
+                <a:cs typeface="Courier New" panose="02070309020205020404" pitchFamily="49" charset="0"/>
+              </a:rPr>
+              <a:t>true</a:t>
+            </a:r>
+            <a:endParaRPr lang="de-DE" sz="1400" dirty="0">
+              <a:ln>
+                <a:solidFill>
+                  <a:schemeClr val="bg1">
+                    <a:lumMod val="75000"/>
+                    <a:lumOff val="25000"/>
+                    <a:alpha val="10000"/>
+                  </a:schemeClr>
+                </a:solidFill>
+              </a:ln>
+              <a:latin typeface="Courier New" panose="02070309020205020404" pitchFamily="49" charset="0"/>
+              <a:cs typeface="Courier New" panose="02070309020205020404" pitchFamily="49" charset="0"/>
+            </a:endParaRPr>
+          </a:p>
+          <a:p>
+            <a:r>
+              <a:rPr lang="de-DE" sz="1400" dirty="0" err="1">
+                <a:ln>
+                  <a:solidFill>
+                    <a:schemeClr val="bg1">
+                      <a:lumMod val="75000"/>
+                      <a:lumOff val="25000"/>
+                      <a:alpha val="10000"/>
+                    </a:schemeClr>
+                  </a:solidFill>
+                </a:ln>
+                <a:latin typeface="Courier New" panose="02070309020205020404" pitchFamily="49" charset="0"/>
+                <a:cs typeface="Courier New" panose="02070309020205020404" pitchFamily="49" charset="0"/>
+              </a:rPr>
+              <a:t>System.out.println</a:t>
+            </a:r>
+            <a:r>
+              <a:rPr lang="de-DE" sz="1400" dirty="0">
+                <a:ln>
+                  <a:solidFill>
+                    <a:schemeClr val="bg1">
+                      <a:lumMod val="75000"/>
+                      <a:lumOff val="25000"/>
+                      <a:alpha val="10000"/>
+                    </a:schemeClr>
+                  </a:solidFill>
+                </a:ln>
+                <a:latin typeface="Courier New" panose="02070309020205020404" pitchFamily="49" charset="0"/>
+                <a:cs typeface="Courier New" panose="02070309020205020404" pitchFamily="49" charset="0"/>
+              </a:rPr>
+              <a:t>(</a:t>
+            </a:r>
+            <a:r>
+              <a:rPr lang="de-DE" sz="1400" dirty="0" err="1">
+                <a:ln>
+                  <a:solidFill>
+                    <a:schemeClr val="bg1">
+                      <a:lumMod val="75000"/>
+                      <a:lumOff val="25000"/>
+                      <a:alpha val="10000"/>
+                    </a:schemeClr>
+                  </a:solidFill>
+                </a:ln>
+                <a:latin typeface="Courier New" panose="02070309020205020404" pitchFamily="49" charset="0"/>
+                <a:cs typeface="Courier New" panose="02070309020205020404" pitchFamily="49" charset="0"/>
+              </a:rPr>
+              <a:t>brudi</a:t>
+            </a:r>
+            <a:r>
+              <a:rPr lang="de-DE" sz="1400" dirty="0">
+                <a:ln>
+                  <a:solidFill>
+                    <a:schemeClr val="bg1">
+                      <a:lumMod val="75000"/>
+                      <a:lumOff val="25000"/>
+                      <a:alpha val="10000"/>
+                    </a:schemeClr>
+                  </a:solidFill>
+                </a:ln>
+                <a:latin typeface="Courier New" panose="02070309020205020404" pitchFamily="49" charset="0"/>
+                <a:cs typeface="Courier New" panose="02070309020205020404" pitchFamily="49" charset="0"/>
+              </a:rPr>
+              <a:t> </a:t>
+            </a:r>
+            <a:r>
+              <a:rPr lang="de-DE" sz="1400" dirty="0" err="1">
+                <a:ln>
+                  <a:solidFill>
+                    <a:schemeClr val="bg1">
+                      <a:lumMod val="75000"/>
+                      <a:lumOff val="25000"/>
+                      <a:alpha val="10000"/>
+                    </a:schemeClr>
+                  </a:solidFill>
+                </a:ln>
+                <a:latin typeface="Courier New" panose="02070309020205020404" pitchFamily="49" charset="0"/>
+                <a:cs typeface="Courier New" panose="02070309020205020404" pitchFamily="49" charset="0"/>
+              </a:rPr>
+              <a:t>instanceof</a:t>
+            </a:r>
+            <a:r>
+              <a:rPr lang="de-DE" sz="1400" dirty="0">
+                <a:ln>
+                  <a:solidFill>
+                    <a:schemeClr val="bg1">
+                      <a:lumMod val="75000"/>
+                      <a:lumOff val="25000"/>
+                      <a:alpha val="10000"/>
+                    </a:schemeClr>
+                  </a:solidFill>
+                </a:ln>
+                <a:latin typeface="Courier New" panose="02070309020205020404" pitchFamily="49" charset="0"/>
+                <a:cs typeface="Courier New" panose="02070309020205020404" pitchFamily="49" charset="0"/>
+              </a:rPr>
+              <a:t> Animal); 	//</a:t>
+            </a:r>
+            <a:r>
+              <a:rPr lang="de-DE" sz="1400" dirty="0" err="1">
+                <a:ln>
+                  <a:solidFill>
+                    <a:schemeClr val="bg1">
+                      <a:lumMod val="75000"/>
+                      <a:lumOff val="25000"/>
+                      <a:alpha val="10000"/>
+                    </a:schemeClr>
+                  </a:solidFill>
+                </a:ln>
+                <a:latin typeface="Courier New" panose="02070309020205020404" pitchFamily="49" charset="0"/>
+                <a:cs typeface="Courier New" panose="02070309020205020404" pitchFamily="49" charset="0"/>
+              </a:rPr>
+              <a:t>true</a:t>
+            </a:r>
+            <a:endParaRPr lang="de-DE" sz="1400" dirty="0">
+              <a:ln>
+                <a:solidFill>
+                  <a:schemeClr val="bg1">
+                    <a:lumMod val="75000"/>
+                    <a:lumOff val="25000"/>
+                    <a:alpha val="10000"/>
+                  </a:schemeClr>
+                </a:solidFill>
+              </a:ln>
+              <a:latin typeface="Courier New" panose="02070309020205020404" pitchFamily="49" charset="0"/>
+              <a:cs typeface="Courier New" panose="02070309020205020404" pitchFamily="49" charset="0"/>
+            </a:endParaRPr>
+          </a:p>
+          <a:p>
+            <a:r>
+              <a:rPr lang="de-DE" sz="1400" dirty="0" err="1">
+                <a:ln>
+                  <a:solidFill>
+                    <a:schemeClr val="bg1">
+                      <a:lumMod val="75000"/>
+                      <a:lumOff val="25000"/>
+                      <a:alpha val="10000"/>
+                    </a:schemeClr>
+                  </a:solidFill>
+                </a:ln>
+                <a:latin typeface="Courier New" panose="02070309020205020404" pitchFamily="49" charset="0"/>
+                <a:cs typeface="Courier New" panose="02070309020205020404" pitchFamily="49" charset="0"/>
+              </a:rPr>
+              <a:t>System.out.println</a:t>
+            </a:r>
+            <a:r>
+              <a:rPr lang="de-DE" sz="1400" dirty="0">
+                <a:ln>
+                  <a:solidFill>
+                    <a:schemeClr val="bg1">
+                      <a:lumMod val="75000"/>
+                      <a:lumOff val="25000"/>
+                      <a:alpha val="10000"/>
+                    </a:schemeClr>
+                  </a:solidFill>
+                </a:ln>
+                <a:latin typeface="Courier New" panose="02070309020205020404" pitchFamily="49" charset="0"/>
+                <a:cs typeface="Courier New" panose="02070309020205020404" pitchFamily="49" charset="0"/>
+              </a:rPr>
+              <a:t>(</a:t>
+            </a:r>
+            <a:r>
+              <a:rPr lang="de-DE" sz="1400" dirty="0" err="1">
+                <a:ln>
+                  <a:solidFill>
+                    <a:schemeClr val="bg1">
+                      <a:lumMod val="75000"/>
+                      <a:lumOff val="25000"/>
+                      <a:alpha val="10000"/>
+                    </a:schemeClr>
+                  </a:solidFill>
+                </a:ln>
+                <a:latin typeface="Courier New" panose="02070309020205020404" pitchFamily="49" charset="0"/>
+                <a:cs typeface="Courier New" panose="02070309020205020404" pitchFamily="49" charset="0"/>
+              </a:rPr>
+              <a:t>brudi</a:t>
+            </a:r>
+            <a:r>
+              <a:rPr lang="de-DE" sz="1400" dirty="0">
+                <a:ln>
+                  <a:solidFill>
+                    <a:schemeClr val="bg1">
+                      <a:lumMod val="75000"/>
+                      <a:lumOff val="25000"/>
+                      <a:alpha val="10000"/>
+                    </a:schemeClr>
+                  </a:solidFill>
+                </a:ln>
+                <a:latin typeface="Courier New" panose="02070309020205020404" pitchFamily="49" charset="0"/>
+                <a:cs typeface="Courier New" panose="02070309020205020404" pitchFamily="49" charset="0"/>
+              </a:rPr>
+              <a:t> </a:t>
+            </a:r>
+            <a:r>
+              <a:rPr lang="de-DE" sz="1400" dirty="0" err="1">
+                <a:ln>
+                  <a:solidFill>
+                    <a:schemeClr val="bg1">
+                      <a:lumMod val="75000"/>
+                      <a:lumOff val="25000"/>
+                      <a:alpha val="10000"/>
+                    </a:schemeClr>
+                  </a:solidFill>
+                </a:ln>
+                <a:latin typeface="Courier New" panose="02070309020205020404" pitchFamily="49" charset="0"/>
+                <a:cs typeface="Courier New" panose="02070309020205020404" pitchFamily="49" charset="0"/>
+              </a:rPr>
+              <a:t>instanceof</a:t>
+            </a:r>
+            <a:r>
+              <a:rPr lang="de-DE" sz="1400" dirty="0">
+                <a:ln>
+                  <a:solidFill>
+                    <a:schemeClr val="bg1">
+                      <a:lumMod val="75000"/>
+                      <a:lumOff val="25000"/>
+                      <a:alpha val="10000"/>
+                    </a:schemeClr>
+                  </a:solidFill>
+                </a:ln>
+                <a:latin typeface="Courier New" panose="02070309020205020404" pitchFamily="49" charset="0"/>
+                <a:cs typeface="Courier New" panose="02070309020205020404" pitchFamily="49" charset="0"/>
+              </a:rPr>
+              <a:t> </a:t>
+            </a:r>
+            <a:r>
+              <a:rPr lang="de-DE" sz="1400" dirty="0" err="1">
+                <a:ln>
+                  <a:solidFill>
+                    <a:schemeClr val="bg1">
+                      <a:lumMod val="75000"/>
+                      <a:lumOff val="25000"/>
+                      <a:alpha val="10000"/>
+                    </a:schemeClr>
+                  </a:solidFill>
+                </a:ln>
+                <a:latin typeface="Courier New" panose="02070309020205020404" pitchFamily="49" charset="0"/>
+                <a:cs typeface="Courier New" panose="02070309020205020404" pitchFamily="49" charset="0"/>
+              </a:rPr>
+              <a:t>Object</a:t>
+            </a:r>
+            <a:r>
+              <a:rPr lang="de-DE" sz="1400" dirty="0">
+                <a:ln>
+                  <a:solidFill>
+                    <a:schemeClr val="bg1">
+                      <a:lumMod val="75000"/>
+                      <a:lumOff val="25000"/>
+                      <a:alpha val="10000"/>
+                    </a:schemeClr>
+                  </a:solidFill>
+                </a:ln>
+                <a:latin typeface="Courier New" panose="02070309020205020404" pitchFamily="49" charset="0"/>
+                <a:cs typeface="Courier New" panose="02070309020205020404" pitchFamily="49" charset="0"/>
+              </a:rPr>
+              <a:t>); 	//</a:t>
+            </a:r>
+            <a:r>
+              <a:rPr lang="de-DE" sz="1400" dirty="0" err="1">
+                <a:ln>
+                  <a:solidFill>
+                    <a:schemeClr val="bg1">
+                      <a:lumMod val="75000"/>
+                      <a:lumOff val="25000"/>
+                      <a:alpha val="10000"/>
+                    </a:schemeClr>
+                  </a:solidFill>
+                </a:ln>
+                <a:latin typeface="Courier New" panose="02070309020205020404" pitchFamily="49" charset="0"/>
+                <a:cs typeface="Courier New" panose="02070309020205020404" pitchFamily="49" charset="0"/>
+              </a:rPr>
+              <a:t>true</a:t>
+            </a:r>
+            <a:endParaRPr lang="de-DE" sz="1400" dirty="0">
+              <a:ln>
+                <a:solidFill>
+                  <a:schemeClr val="bg1">
+                    <a:lumMod val="75000"/>
+                    <a:lumOff val="25000"/>
+                    <a:alpha val="10000"/>
+                  </a:schemeClr>
+                </a:solidFill>
+              </a:ln>
+              <a:latin typeface="Courier New" panose="02070309020205020404" pitchFamily="49" charset="0"/>
+              <a:cs typeface="Courier New" panose="02070309020205020404" pitchFamily="49" charset="0"/>
+            </a:endParaRPr>
+          </a:p>
+          <a:p>
+            <a:r>
+              <a:rPr lang="de-DE" sz="1400" dirty="0" err="1">
+                <a:ln>
+                  <a:solidFill>
+                    <a:schemeClr val="bg1">
+                      <a:lumMod val="75000"/>
+                      <a:lumOff val="25000"/>
+                      <a:alpha val="10000"/>
+                    </a:schemeClr>
+                  </a:solidFill>
+                </a:ln>
+                <a:latin typeface="Courier New" panose="02070309020205020404" pitchFamily="49" charset="0"/>
+                <a:cs typeface="Courier New" panose="02070309020205020404" pitchFamily="49" charset="0"/>
+              </a:rPr>
+              <a:t>System.out.println</a:t>
+            </a:r>
+            <a:r>
+              <a:rPr lang="de-DE" sz="1400" dirty="0">
+                <a:ln>
+                  <a:solidFill>
+                    <a:schemeClr val="bg1">
+                      <a:lumMod val="75000"/>
+                      <a:lumOff val="25000"/>
+                      <a:alpha val="10000"/>
+                    </a:schemeClr>
+                  </a:solidFill>
+                </a:ln>
+                <a:latin typeface="Courier New" panose="02070309020205020404" pitchFamily="49" charset="0"/>
+                <a:cs typeface="Courier New" panose="02070309020205020404" pitchFamily="49" charset="0"/>
+              </a:rPr>
+              <a:t>(</a:t>
+            </a:r>
+            <a:r>
+              <a:rPr lang="de-DE" sz="1400" dirty="0" err="1">
+                <a:ln>
+                  <a:solidFill>
+                    <a:schemeClr val="bg1">
+                      <a:lumMod val="75000"/>
+                      <a:lumOff val="25000"/>
+                      <a:alpha val="10000"/>
+                    </a:schemeClr>
+                  </a:solidFill>
+                </a:ln>
+                <a:latin typeface="Courier New" panose="02070309020205020404" pitchFamily="49" charset="0"/>
+                <a:cs typeface="Courier New" panose="02070309020205020404" pitchFamily="49" charset="0"/>
+              </a:rPr>
+              <a:t>brudi</a:t>
+            </a:r>
+            <a:r>
+              <a:rPr lang="de-DE" sz="1400" dirty="0">
+                <a:ln>
+                  <a:solidFill>
+                    <a:schemeClr val="bg1">
+                      <a:lumMod val="75000"/>
+                      <a:lumOff val="25000"/>
+                      <a:alpha val="10000"/>
+                    </a:schemeClr>
+                  </a:solidFill>
+                </a:ln>
+                <a:latin typeface="Courier New" panose="02070309020205020404" pitchFamily="49" charset="0"/>
+                <a:cs typeface="Courier New" panose="02070309020205020404" pitchFamily="49" charset="0"/>
+              </a:rPr>
+              <a:t> </a:t>
+            </a:r>
+            <a:r>
+              <a:rPr lang="de-DE" sz="1400" dirty="0" err="1">
+                <a:ln>
+                  <a:solidFill>
+                    <a:schemeClr val="bg1">
+                      <a:lumMod val="75000"/>
+                      <a:lumOff val="25000"/>
+                      <a:alpha val="10000"/>
+                    </a:schemeClr>
+                  </a:solidFill>
+                </a:ln>
+                <a:latin typeface="Courier New" panose="02070309020205020404" pitchFamily="49" charset="0"/>
+                <a:cs typeface="Courier New" panose="02070309020205020404" pitchFamily="49" charset="0"/>
+              </a:rPr>
+              <a:t>instanceof</a:t>
+            </a:r>
+            <a:r>
+              <a:rPr lang="de-DE" sz="1400" dirty="0">
+                <a:ln>
+                  <a:solidFill>
+                    <a:schemeClr val="bg1">
+                      <a:lumMod val="75000"/>
+                      <a:lumOff val="25000"/>
+                      <a:alpha val="10000"/>
+                    </a:schemeClr>
+                  </a:solidFill>
+                </a:ln>
+                <a:latin typeface="Courier New" panose="02070309020205020404" pitchFamily="49" charset="0"/>
+                <a:cs typeface="Courier New" panose="02070309020205020404" pitchFamily="49" charset="0"/>
+              </a:rPr>
+              <a:t> Dog); 		//</a:t>
+            </a:r>
+            <a:r>
+              <a:rPr lang="de-DE" sz="1400" dirty="0" err="1">
+                <a:ln>
+                  <a:solidFill>
+                    <a:schemeClr val="bg1">
+                      <a:lumMod val="75000"/>
+                      <a:lumOff val="25000"/>
+                      <a:alpha val="10000"/>
+                    </a:schemeClr>
+                  </a:solidFill>
+                </a:ln>
+                <a:latin typeface="Courier New" panose="02070309020205020404" pitchFamily="49" charset="0"/>
+                <a:cs typeface="Courier New" panose="02070309020205020404" pitchFamily="49" charset="0"/>
+              </a:rPr>
+              <a:t>false</a:t>
+            </a:r>
+            <a:r>
+              <a:rPr lang="de-DE" sz="1400" dirty="0">
+                <a:ln>
+                  <a:solidFill>
+                    <a:schemeClr val="bg1">
+                      <a:lumMod val="75000"/>
+                      <a:lumOff val="25000"/>
+                      <a:alpha val="10000"/>
+                    </a:schemeClr>
+                  </a:solidFill>
+                </a:ln>
+                <a:latin typeface="Courier New" panose="02070309020205020404" pitchFamily="49" charset="0"/>
+                <a:cs typeface="Courier New" panose="02070309020205020404" pitchFamily="49" charset="0"/>
+              </a:rPr>
+              <a:t> </a:t>
+            </a:r>
+          </a:p>
+        </p:txBody>
+      </p:sp>
+    </p:spTree>
+    <p:extLst>
+      <p:ext uri="{BB962C8B-B14F-4D97-AF65-F5344CB8AC3E}">
+        <p14:creationId xmlns:p14="http://schemas.microsoft.com/office/powerpoint/2010/main" val="2898692095"/>
+      </p:ext>
+    </p:extLst>
+  </p:cSld>
+  <p:clrMapOvr>
+    <a:masterClrMapping/>
+  </p:clrMapOvr>
+</p:sld>
+</file>
+
+<file path=ppt/slides/slide11.xml><?xml version="1.0" encoding="utf-8"?>
+<p:sld xmlns:a="http://schemas.openxmlformats.org/drawingml/2006/main" xmlns:r="http://schemas.openxmlformats.org/officeDocument/2006/relationships" xmlns:p="http://schemas.openxmlformats.org/presentationml/2006/main">
+  <p:cSld>
+    <p:spTree>
+      <p:nvGrpSpPr>
+        <p:cNvPr id="1" name=""/>
+        <p:cNvGrpSpPr/>
+        <p:nvPr/>
+      </p:nvGrpSpPr>
+      <p:grpSpPr>
+        <a:xfrm>
+          <a:off x="0" y="0"/>
+          <a:ext cx="0" cy="0"/>
+          <a:chOff x="0" y="0"/>
+          <a:chExt cx="0" cy="0"/>
+        </a:xfrm>
+      </p:grpSpPr>
+      <p:sp>
+        <p:nvSpPr>
+          <p:cNvPr id="2" name="Titel 1">
+            <a:extLst>
+              <a:ext uri="{FF2B5EF4-FFF2-40B4-BE49-F238E27FC236}">
+                <a16:creationId xmlns:a16="http://schemas.microsoft.com/office/drawing/2014/main" id="{3FA76F38-C372-4632-B51A-47A53F1ED08B}"/>
+              </a:ext>
+            </a:extLst>
+          </p:cNvPr>
+          <p:cNvSpPr>
+            <a:spLocks noGrp="1"/>
+          </p:cNvSpPr>
+          <p:nvPr>
+            <p:ph type="title"/>
+          </p:nvPr>
+        </p:nvSpPr>
+        <p:spPr/>
+        <p:txBody>
+          <a:bodyPr/>
+          <a:lstStyle/>
+          <a:p>
+            <a:r>
+              <a:rPr lang="de-DE" dirty="0">
+                <a:latin typeface="Calibri" panose="020F0502020204030204" pitchFamily="34" charset="0"/>
+                <a:cs typeface="Calibri" panose="020F0502020204030204" pitchFamily="34" charset="0"/>
+              </a:rPr>
+              <a:t>Anpassungen durch Methoden überschreiben</a:t>
+            </a:r>
+          </a:p>
+        </p:txBody>
+      </p:sp>
+      <p:sp>
+        <p:nvSpPr>
+          <p:cNvPr id="3" name="Inhaltsplatzhalter 2">
+            <a:extLst>
+              <a:ext uri="{FF2B5EF4-FFF2-40B4-BE49-F238E27FC236}">
+                <a16:creationId xmlns:a16="http://schemas.microsoft.com/office/drawing/2014/main" id="{CE609E21-6597-463C-AEBE-ECEC5A85DCFB}"/>
+              </a:ext>
+            </a:extLst>
+          </p:cNvPr>
+          <p:cNvSpPr>
+            <a:spLocks noGrp="1"/>
+          </p:cNvSpPr>
+          <p:nvPr>
+            <p:ph idx="1"/>
+          </p:nvPr>
+        </p:nvSpPr>
+        <p:spPr>
+          <a:xfrm>
+            <a:off x="913795" y="2537460"/>
+            <a:ext cx="10353762" cy="3253740"/>
+          </a:xfrm>
+        </p:spPr>
+        <p:txBody>
+          <a:bodyPr/>
+          <a:lstStyle/>
+          <a:p>
+            <a:r>
+              <a:rPr lang="de-DE" dirty="0">
+                <a:latin typeface="Calibri" panose="020F0502020204030204" pitchFamily="34" charset="0"/>
+                <a:cs typeface="Calibri" panose="020F0502020204030204" pitchFamily="34" charset="0"/>
+              </a:rPr>
+              <a:t>Geerbte Methoden werden mit gleichem Namen und Parametern in den Unterklassen implementiert</a:t>
+            </a:r>
+          </a:p>
+          <a:p>
+            <a:r>
+              <a:rPr lang="de-DE" dirty="0">
+                <a:latin typeface="Calibri" panose="020F0502020204030204" pitchFamily="34" charset="0"/>
+                <a:cs typeface="Calibri" panose="020F0502020204030204" pitchFamily="34" charset="0"/>
+              </a:rPr>
+              <a:t>Unterklassen müssen das gleiche können aber wie sie was machen kann abweichen</a:t>
+            </a:r>
+          </a:p>
+          <a:p>
+            <a:r>
+              <a:rPr lang="de-DE" dirty="0">
+                <a:latin typeface="Calibri" panose="020F0502020204030204" pitchFamily="34" charset="0"/>
+                <a:cs typeface="Calibri" panose="020F0502020204030204" pitchFamily="34" charset="0"/>
+              </a:rPr>
+              <a:t>Beispiel: </a:t>
+            </a:r>
+            <a:r>
+              <a:rPr lang="de-DE" sz="1800" dirty="0" err="1">
+                <a:effectLst/>
+                <a:latin typeface="Courier New" panose="02070309020205020404" pitchFamily="49" charset="0"/>
+                <a:cs typeface="Courier New" panose="02070309020205020404" pitchFamily="49" charset="0"/>
+              </a:rPr>
+              <a:t>toString</a:t>
+            </a:r>
+            <a:r>
+              <a:rPr lang="de-DE" sz="1800" dirty="0">
+                <a:effectLst/>
+                <a:latin typeface="Courier New" panose="02070309020205020404" pitchFamily="49" charset="0"/>
+                <a:cs typeface="Courier New" panose="02070309020205020404" pitchFamily="49" charset="0"/>
+              </a:rPr>
+              <a:t>()</a:t>
+            </a:r>
+            <a:endParaRPr lang="de-DE" dirty="0">
+              <a:effectLst/>
+              <a:latin typeface="Courier New" panose="02070309020205020404" pitchFamily="49" charset="0"/>
+              <a:cs typeface="Courier New" panose="02070309020205020404" pitchFamily="49" charset="0"/>
+            </a:endParaRPr>
+          </a:p>
+        </p:txBody>
+      </p:sp>
+    </p:spTree>
+    <p:extLst>
+      <p:ext uri="{BB962C8B-B14F-4D97-AF65-F5344CB8AC3E}">
+        <p14:creationId xmlns:p14="http://schemas.microsoft.com/office/powerpoint/2010/main" val="2586096692"/>
+      </p:ext>
+    </p:extLst>
+  </p:cSld>
+  <p:clrMapOvr>
+    <a:masterClrMapping/>
+  </p:clrMapOvr>
+</p:sld>
+</file>
+
+<file path=ppt/slides/slide12.xml><?xml version="1.0" encoding="utf-8"?>
+<p:sld xmlns:a="http://schemas.openxmlformats.org/drawingml/2006/main" xmlns:r="http://schemas.openxmlformats.org/officeDocument/2006/relationships" xmlns:p="http://schemas.openxmlformats.org/presentationml/2006/main">
+  <p:cSld>
+    <p:spTree>
+      <p:nvGrpSpPr>
+        <p:cNvPr id="1" name=""/>
+        <p:cNvGrpSpPr/>
+        <p:nvPr/>
+      </p:nvGrpSpPr>
+      <p:grpSpPr>
+        <a:xfrm>
+          <a:off x="0" y="0"/>
+          <a:ext cx="0" cy="0"/>
+          <a:chOff x="0" y="0"/>
+          <a:chExt cx="0" cy="0"/>
+        </a:xfrm>
+      </p:grpSpPr>
+      <p:sp>
+        <p:nvSpPr>
+          <p:cNvPr id="2" name="Titel 1">
+            <a:extLst>
+              <a:ext uri="{FF2B5EF4-FFF2-40B4-BE49-F238E27FC236}">
+                <a16:creationId xmlns:a16="http://schemas.microsoft.com/office/drawing/2014/main" id="{F81F7379-BAB6-4904-88C8-14147E299BB3}"/>
+              </a:ext>
+            </a:extLst>
+          </p:cNvPr>
+          <p:cNvSpPr>
+            <a:spLocks noGrp="1"/>
+          </p:cNvSpPr>
+          <p:nvPr>
+            <p:ph type="title"/>
+          </p:nvPr>
+        </p:nvSpPr>
+        <p:spPr/>
+        <p:txBody>
+          <a:bodyPr/>
+          <a:lstStyle/>
+          <a:p>
+            <a:r>
+              <a:rPr lang="de-DE" dirty="0">
+                <a:latin typeface="Calibri" panose="020F0502020204030204" pitchFamily="34" charset="0"/>
+                <a:cs typeface="Calibri" panose="020F0502020204030204" pitchFamily="34" charset="0"/>
+              </a:rPr>
+              <a:t>Finale Methoden und Klassen</a:t>
+            </a:r>
+          </a:p>
+        </p:txBody>
+      </p:sp>
+      <p:sp>
+        <p:nvSpPr>
+          <p:cNvPr id="3" name="Inhaltsplatzhalter 2">
+            <a:extLst>
+              <a:ext uri="{FF2B5EF4-FFF2-40B4-BE49-F238E27FC236}">
+                <a16:creationId xmlns:a16="http://schemas.microsoft.com/office/drawing/2014/main" id="{8C7A095F-01B8-466E-BB6C-4BC86C784C48}"/>
+              </a:ext>
+            </a:extLst>
+          </p:cNvPr>
+          <p:cNvSpPr>
+            <a:spLocks noGrp="1"/>
+          </p:cNvSpPr>
+          <p:nvPr>
+            <p:ph idx="1"/>
+          </p:nvPr>
+        </p:nvSpPr>
+        <p:spPr/>
+        <p:txBody>
+          <a:bodyPr/>
+          <a:lstStyle/>
+          <a:p>
+            <a:r>
+              <a:rPr lang="de-DE" dirty="0">
+                <a:latin typeface="Calibri" panose="020F0502020204030204" pitchFamily="34" charset="0"/>
+                <a:cs typeface="Calibri" panose="020F0502020204030204" pitchFamily="34" charset="0"/>
+              </a:rPr>
+              <a:t>Verhindert die Bildung von Unterklassen</a:t>
+            </a:r>
+          </a:p>
+          <a:p>
+            <a:r>
+              <a:rPr lang="de-DE" dirty="0">
+                <a:latin typeface="Calibri" panose="020F0502020204030204" pitchFamily="34" charset="0"/>
+                <a:cs typeface="Calibri" panose="020F0502020204030204" pitchFamily="34" charset="0"/>
+              </a:rPr>
+              <a:t>Verhindert das Überschreiben von Methoden</a:t>
+            </a:r>
+          </a:p>
+          <a:p>
+            <a:r>
+              <a:rPr lang="de-DE" dirty="0">
+                <a:latin typeface="Calibri" panose="020F0502020204030204" pitchFamily="34" charset="0"/>
+                <a:cs typeface="Calibri" panose="020F0502020204030204" pitchFamily="34" charset="0"/>
+              </a:rPr>
+              <a:t>Beispiele sind:</a:t>
+            </a:r>
+          </a:p>
+          <a:p>
+            <a:pPr lvl="1"/>
+            <a:r>
+              <a:rPr lang="de-DE" dirty="0">
+                <a:latin typeface="Calibri" panose="020F0502020204030204" pitchFamily="34" charset="0"/>
+                <a:cs typeface="Calibri" panose="020F0502020204030204" pitchFamily="34" charset="0"/>
+              </a:rPr>
+              <a:t>String, </a:t>
+            </a:r>
+            <a:r>
+              <a:rPr lang="de-DE" dirty="0" err="1">
+                <a:latin typeface="Calibri" panose="020F0502020204030204" pitchFamily="34" charset="0"/>
+                <a:cs typeface="Calibri" panose="020F0502020204030204" pitchFamily="34" charset="0"/>
+              </a:rPr>
+              <a:t>StringBuilder</a:t>
+            </a:r>
+            <a:endParaRPr lang="de-DE" dirty="0">
+              <a:latin typeface="Calibri" panose="020F0502020204030204" pitchFamily="34" charset="0"/>
+              <a:cs typeface="Calibri" panose="020F0502020204030204" pitchFamily="34" charset="0"/>
+            </a:endParaRPr>
+          </a:p>
+          <a:p>
+            <a:pPr lvl="1"/>
+            <a:r>
+              <a:rPr lang="de-DE" dirty="0">
+                <a:latin typeface="Calibri" panose="020F0502020204030204" pitchFamily="34" charset="0"/>
+                <a:cs typeface="Calibri" panose="020F0502020204030204" pitchFamily="34" charset="0"/>
+              </a:rPr>
+              <a:t>Integer, Double… (Wrapper-Klassen)</a:t>
+            </a:r>
+          </a:p>
+          <a:p>
+            <a:pPr lvl="1"/>
+            <a:r>
+              <a:rPr lang="de-DE" dirty="0">
+                <a:latin typeface="Calibri" panose="020F0502020204030204" pitchFamily="34" charset="0"/>
+                <a:cs typeface="Calibri" panose="020F0502020204030204" pitchFamily="34" charset="0"/>
+              </a:rPr>
+              <a:t>Math</a:t>
+            </a:r>
+          </a:p>
+          <a:p>
+            <a:pPr lvl="1"/>
+            <a:r>
+              <a:rPr lang="de-DE" dirty="0">
+                <a:latin typeface="Calibri" panose="020F0502020204030204" pitchFamily="34" charset="0"/>
+                <a:cs typeface="Calibri" panose="020F0502020204030204" pitchFamily="34" charset="0"/>
+              </a:rPr>
+              <a:t>System, </a:t>
+            </a:r>
+            <a:r>
+              <a:rPr lang="de-DE" dirty="0" err="1">
+                <a:latin typeface="Calibri" panose="020F0502020204030204" pitchFamily="34" charset="0"/>
+                <a:cs typeface="Calibri" panose="020F0502020204030204" pitchFamily="34" charset="0"/>
+              </a:rPr>
+              <a:t>Local</a:t>
+            </a:r>
+            <a:endParaRPr lang="de-DE" dirty="0">
+              <a:latin typeface="Calibri" panose="020F0502020204030204" pitchFamily="34" charset="0"/>
+              <a:cs typeface="Calibri" panose="020F0502020204030204" pitchFamily="34" charset="0"/>
+            </a:endParaRPr>
+          </a:p>
+          <a:p>
+            <a:pPr lvl="1"/>
+            <a:r>
+              <a:rPr lang="de-DE" dirty="0">
+                <a:latin typeface="Calibri" panose="020F0502020204030204" pitchFamily="34" charset="0"/>
+                <a:cs typeface="Calibri" panose="020F0502020204030204" pitchFamily="34" charset="0"/>
+              </a:rPr>
+              <a:t>Color, Font</a:t>
+            </a:r>
+          </a:p>
+        </p:txBody>
+      </p:sp>
+    </p:spTree>
+    <p:extLst>
+      <p:ext uri="{BB962C8B-B14F-4D97-AF65-F5344CB8AC3E}">
+        <p14:creationId xmlns:p14="http://schemas.microsoft.com/office/powerpoint/2010/main" val="277523107"/>
+      </p:ext>
+    </p:extLst>
+  </p:cSld>
+  <p:clrMapOvr>
+    <a:masterClrMapping/>
+  </p:clrMapOvr>
+</p:sld>
+</file>
+
+<file path=ppt/slides/slide13.xml><?xml version="1.0" encoding="utf-8"?>
+<p:sld xmlns:a="http://schemas.openxmlformats.org/drawingml/2006/main" xmlns:r="http://schemas.openxmlformats.org/officeDocument/2006/relationships" xmlns:p="http://schemas.openxmlformats.org/presentationml/2006/main">
+  <p:cSld>
+    <p:spTree>
+      <p:nvGrpSpPr>
+        <p:cNvPr id="1" name=""/>
+        <p:cNvGrpSpPr/>
+        <p:nvPr/>
+      </p:nvGrpSpPr>
+      <p:grpSpPr>
+        <a:xfrm>
+          <a:off x="0" y="0"/>
+          <a:ext cx="0" cy="0"/>
+          <a:chOff x="0" y="0"/>
+          <a:chExt cx="0" cy="0"/>
+        </a:xfrm>
+      </p:grpSpPr>
+      <p:sp>
+        <p:nvSpPr>
+          <p:cNvPr id="2" name="Titel 1">
+            <a:extLst>
+              <a:ext uri="{FF2B5EF4-FFF2-40B4-BE49-F238E27FC236}">
+                <a16:creationId xmlns:a16="http://schemas.microsoft.com/office/drawing/2014/main" id="{56CD7CED-A8AA-4F5E-AADF-412829C804F6}"/>
+              </a:ext>
+            </a:extLst>
+          </p:cNvPr>
+          <p:cNvSpPr>
+            <a:spLocks noGrp="1"/>
+          </p:cNvSpPr>
+          <p:nvPr>
+            <p:ph type="title"/>
+          </p:nvPr>
+        </p:nvSpPr>
+        <p:spPr/>
+        <p:txBody>
+          <a:bodyPr/>
+          <a:lstStyle/>
+          <a:p>
+            <a:r>
+              <a:rPr lang="de-DE" dirty="0">
+                <a:latin typeface="Calibri" panose="020F0502020204030204" pitchFamily="34" charset="0"/>
+                <a:cs typeface="Calibri" panose="020F0502020204030204" pitchFamily="34" charset="0"/>
+              </a:rPr>
+              <a:t>Dynamisches Binden</a:t>
+            </a:r>
+          </a:p>
+        </p:txBody>
+      </p:sp>
+      <p:sp>
+        <p:nvSpPr>
+          <p:cNvPr id="3" name="Inhaltsplatzhalter 2">
+            <a:extLst>
+              <a:ext uri="{FF2B5EF4-FFF2-40B4-BE49-F238E27FC236}">
+                <a16:creationId xmlns:a16="http://schemas.microsoft.com/office/drawing/2014/main" id="{FE161142-71BE-462C-860A-ECDC12EB9B8E}"/>
+              </a:ext>
+            </a:extLst>
+          </p:cNvPr>
+          <p:cNvSpPr>
+            <a:spLocks noGrp="1"/>
+          </p:cNvSpPr>
+          <p:nvPr>
+            <p:ph idx="1"/>
+          </p:nvPr>
+        </p:nvSpPr>
+        <p:spPr>
+          <a:xfrm>
+            <a:off x="913795" y="1732449"/>
+            <a:ext cx="3932525" cy="507831"/>
+          </a:xfrm>
+        </p:spPr>
+        <p:txBody>
+          <a:bodyPr>
+            <a:normAutofit/>
+          </a:bodyPr>
+          <a:lstStyle/>
+          <a:p>
+            <a:r>
+              <a:rPr lang="de-DE" dirty="0"/>
+              <a:t>Beispiel:</a:t>
+            </a:r>
+          </a:p>
+          <a:p>
+            <a:pPr marL="36900" indent="0">
+              <a:buNone/>
+            </a:pPr>
+            <a:endParaRPr lang="de-DE" dirty="0"/>
+          </a:p>
+        </p:txBody>
+      </p:sp>
+      <p:sp>
+        <p:nvSpPr>
+          <p:cNvPr id="4" name="Textfeld 3">
+            <a:extLst>
+              <a:ext uri="{FF2B5EF4-FFF2-40B4-BE49-F238E27FC236}">
+                <a16:creationId xmlns:a16="http://schemas.microsoft.com/office/drawing/2014/main" id="{57C3B9E9-ECD1-4DB6-B6A9-16B0E4877657}"/>
+              </a:ext>
+            </a:extLst>
+          </p:cNvPr>
+          <p:cNvSpPr txBox="1"/>
+          <p:nvPr/>
+        </p:nvSpPr>
+        <p:spPr>
+          <a:xfrm>
+            <a:off x="6423659" y="2240279"/>
+            <a:ext cx="3932525" cy="923330"/>
+          </a:xfrm>
+          <a:prstGeom prst="rect">
+            <a:avLst/>
+          </a:prstGeom>
+          <a:noFill/>
+        </p:spPr>
+        <p:txBody>
+          <a:bodyPr wrap="square" rtlCol="0">
+            <a:spAutoFit/>
+          </a:bodyPr>
+          <a:lstStyle/>
+          <a:p>
+            <a:r>
+              <a:rPr lang="de-DE" sz="1800" dirty="0">
+                <a:effectLst/>
+                <a:latin typeface="Courier New" panose="02070309020205020404" pitchFamily="49" charset="0"/>
+                <a:ea typeface="Calibri" panose="020F0502020204030204" pitchFamily="34" charset="0"/>
+                <a:cs typeface="Courier New" panose="02070309020205020404" pitchFamily="49" charset="0"/>
+              </a:rPr>
+              <a:t>Cat [</a:t>
+            </a:r>
+            <a:r>
+              <a:rPr lang="de-DE" sz="1800" dirty="0" err="1">
+                <a:effectLst/>
+                <a:latin typeface="Courier New" panose="02070309020205020404" pitchFamily="49" charset="0"/>
+                <a:ea typeface="Calibri" panose="020F0502020204030204" pitchFamily="34" charset="0"/>
+                <a:cs typeface="Courier New" panose="02070309020205020404" pitchFamily="49" charset="0"/>
+              </a:rPr>
+              <a:t>name</a:t>
+            </a:r>
+            <a:r>
+              <a:rPr lang="de-DE" sz="1800" dirty="0">
+                <a:effectLst/>
+                <a:latin typeface="Courier New" panose="02070309020205020404" pitchFamily="49" charset="0"/>
+                <a:ea typeface="Calibri" panose="020F0502020204030204" pitchFamily="34" charset="0"/>
+                <a:cs typeface="Courier New" panose="02070309020205020404" pitchFamily="49" charset="0"/>
+              </a:rPr>
+              <a:t>=Brudi][</a:t>
+            </a:r>
+            <a:r>
+              <a:rPr lang="de-DE" sz="1800" dirty="0" err="1">
+                <a:effectLst/>
+                <a:latin typeface="Courier New" panose="02070309020205020404" pitchFamily="49" charset="0"/>
+                <a:ea typeface="Calibri" panose="020F0502020204030204" pitchFamily="34" charset="0"/>
+                <a:cs typeface="Courier New" panose="02070309020205020404" pitchFamily="49" charset="0"/>
+              </a:rPr>
+              <a:t>weight</a:t>
+            </a:r>
+            <a:r>
+              <a:rPr lang="de-DE" sz="1800" dirty="0">
+                <a:effectLst/>
+                <a:latin typeface="Courier New" panose="02070309020205020404" pitchFamily="49" charset="0"/>
+                <a:ea typeface="Calibri" panose="020F0502020204030204" pitchFamily="34" charset="0"/>
+                <a:cs typeface="Courier New" panose="02070309020205020404" pitchFamily="49" charset="0"/>
+              </a:rPr>
+              <a:t>=3]</a:t>
+            </a:r>
+            <a:br>
+              <a:rPr lang="de-DE" sz="1800" dirty="0">
+                <a:effectLst/>
+                <a:latin typeface="Courier New" panose="02070309020205020404" pitchFamily="49" charset="0"/>
+                <a:ea typeface="Calibri" panose="020F0502020204030204" pitchFamily="34" charset="0"/>
+                <a:cs typeface="Courier New" panose="02070309020205020404" pitchFamily="49" charset="0"/>
+              </a:rPr>
+            </a:br>
+            <a:r>
+              <a:rPr lang="de-DE" sz="1800" dirty="0">
+                <a:effectLst/>
+                <a:latin typeface="Courier New" panose="02070309020205020404" pitchFamily="49" charset="0"/>
+                <a:ea typeface="Calibri" panose="020F0502020204030204" pitchFamily="34" charset="0"/>
+                <a:cs typeface="Courier New" panose="02070309020205020404" pitchFamily="49" charset="0"/>
+              </a:rPr>
+              <a:t>Cat [</a:t>
+            </a:r>
+            <a:r>
+              <a:rPr lang="de-DE" sz="1800" dirty="0" err="1">
+                <a:effectLst/>
+                <a:latin typeface="Courier New" panose="02070309020205020404" pitchFamily="49" charset="0"/>
+                <a:ea typeface="Calibri" panose="020F0502020204030204" pitchFamily="34" charset="0"/>
+                <a:cs typeface="Courier New" panose="02070309020205020404" pitchFamily="49" charset="0"/>
+              </a:rPr>
+              <a:t>name</a:t>
+            </a:r>
+            <a:r>
+              <a:rPr lang="de-DE" sz="1800" dirty="0">
+                <a:effectLst/>
+                <a:latin typeface="Courier New" panose="02070309020205020404" pitchFamily="49" charset="0"/>
+                <a:ea typeface="Calibri" panose="020F0502020204030204" pitchFamily="34" charset="0"/>
+                <a:cs typeface="Courier New" panose="02070309020205020404" pitchFamily="49" charset="0"/>
+              </a:rPr>
+              <a:t>=Brudi][</a:t>
+            </a:r>
+            <a:r>
+              <a:rPr lang="de-DE" sz="1800" dirty="0" err="1">
+                <a:effectLst/>
+                <a:latin typeface="Courier New" panose="02070309020205020404" pitchFamily="49" charset="0"/>
+                <a:ea typeface="Calibri" panose="020F0502020204030204" pitchFamily="34" charset="0"/>
+                <a:cs typeface="Courier New" panose="02070309020205020404" pitchFamily="49" charset="0"/>
+              </a:rPr>
+              <a:t>weight</a:t>
+            </a:r>
+            <a:r>
+              <a:rPr lang="de-DE" sz="1800" dirty="0">
+                <a:effectLst/>
+                <a:latin typeface="Courier New" panose="02070309020205020404" pitchFamily="49" charset="0"/>
+                <a:ea typeface="Calibri" panose="020F0502020204030204" pitchFamily="34" charset="0"/>
+                <a:cs typeface="Courier New" panose="02070309020205020404" pitchFamily="49" charset="0"/>
+              </a:rPr>
+              <a:t>=0]</a:t>
+            </a:r>
+            <a:br>
+              <a:rPr lang="de-DE" sz="1800" dirty="0">
+                <a:effectLst/>
+                <a:latin typeface="Courier New" panose="02070309020205020404" pitchFamily="49" charset="0"/>
+                <a:ea typeface="Calibri" panose="020F0502020204030204" pitchFamily="34" charset="0"/>
+                <a:cs typeface="Courier New" panose="02070309020205020404" pitchFamily="49" charset="0"/>
+              </a:rPr>
+            </a:br>
+            <a:r>
+              <a:rPr lang="de-DE" sz="1800" dirty="0">
+                <a:effectLst/>
+                <a:latin typeface="Courier New" panose="02070309020205020404" pitchFamily="49" charset="0"/>
+                <a:ea typeface="Calibri" panose="020F0502020204030204" pitchFamily="34" charset="0"/>
+                <a:cs typeface="Courier New" panose="02070309020205020404" pitchFamily="49" charset="0"/>
+              </a:rPr>
+              <a:t>Cat [</a:t>
+            </a:r>
+            <a:r>
+              <a:rPr lang="de-DE" sz="1800" dirty="0" err="1">
+                <a:effectLst/>
+                <a:latin typeface="Courier New" panose="02070309020205020404" pitchFamily="49" charset="0"/>
+                <a:ea typeface="Calibri" panose="020F0502020204030204" pitchFamily="34" charset="0"/>
+                <a:cs typeface="Courier New" panose="02070309020205020404" pitchFamily="49" charset="0"/>
+              </a:rPr>
+              <a:t>name</a:t>
+            </a:r>
+            <a:r>
+              <a:rPr lang="de-DE" sz="1800" dirty="0">
+                <a:effectLst/>
+                <a:latin typeface="Courier New" panose="02070309020205020404" pitchFamily="49" charset="0"/>
+                <a:ea typeface="Calibri" panose="020F0502020204030204" pitchFamily="34" charset="0"/>
+                <a:cs typeface="Courier New" panose="02070309020205020404" pitchFamily="49" charset="0"/>
+              </a:rPr>
+              <a:t>=null][</a:t>
+            </a:r>
+            <a:r>
+              <a:rPr lang="de-DE" sz="1800" dirty="0" err="1">
+                <a:effectLst/>
+                <a:latin typeface="Courier New" panose="02070309020205020404" pitchFamily="49" charset="0"/>
+                <a:ea typeface="Calibri" panose="020F0502020204030204" pitchFamily="34" charset="0"/>
+                <a:cs typeface="Courier New" panose="02070309020205020404" pitchFamily="49" charset="0"/>
+              </a:rPr>
+              <a:t>weight</a:t>
+            </a:r>
+            <a:r>
+              <a:rPr lang="de-DE" sz="1800" dirty="0">
+                <a:effectLst/>
+                <a:latin typeface="Courier New" panose="02070309020205020404" pitchFamily="49" charset="0"/>
+                <a:ea typeface="Calibri" panose="020F0502020204030204" pitchFamily="34" charset="0"/>
+                <a:cs typeface="Courier New" panose="02070309020205020404" pitchFamily="49" charset="0"/>
+              </a:rPr>
+              <a:t>=0]</a:t>
+            </a:r>
+            <a:endParaRPr lang="de-DE" dirty="0">
+              <a:latin typeface="Courier New" panose="02070309020205020404" pitchFamily="49" charset="0"/>
+              <a:cs typeface="Courier New" panose="02070309020205020404" pitchFamily="49" charset="0"/>
+            </a:endParaRPr>
+          </a:p>
+        </p:txBody>
+      </p:sp>
+      <p:sp>
+        <p:nvSpPr>
+          <p:cNvPr id="5" name="Textfeld 4">
+            <a:extLst>
+              <a:ext uri="{FF2B5EF4-FFF2-40B4-BE49-F238E27FC236}">
+                <a16:creationId xmlns:a16="http://schemas.microsoft.com/office/drawing/2014/main" id="{38FD0ECC-86B8-47CB-B21C-29B980B1D027}"/>
+              </a:ext>
+            </a:extLst>
+          </p:cNvPr>
+          <p:cNvSpPr txBox="1"/>
+          <p:nvPr/>
+        </p:nvSpPr>
+        <p:spPr>
+          <a:xfrm>
+            <a:off x="807720" y="2240280"/>
+            <a:ext cx="4038600" cy="2959977"/>
+          </a:xfrm>
+          <a:prstGeom prst="rect">
+            <a:avLst/>
+          </a:prstGeom>
+          <a:noFill/>
+        </p:spPr>
+        <p:txBody>
+          <a:bodyPr wrap="square" rtlCol="0">
+            <a:spAutoFit/>
+          </a:bodyPr>
+          <a:lstStyle/>
+          <a:p>
+            <a:pPr marL="450000" lvl="1" indent="0">
+              <a:lnSpc>
+                <a:spcPct val="107000"/>
+              </a:lnSpc>
+              <a:spcAft>
+                <a:spcPts val="800"/>
+              </a:spcAft>
+              <a:buNone/>
+            </a:pPr>
+            <a:r>
+              <a:rPr lang="de-DE" dirty="0">
+                <a:effectLst/>
+                <a:latin typeface="Courier New" panose="02070309020205020404" pitchFamily="49" charset="0"/>
+                <a:ea typeface="Calibri" panose="020F0502020204030204" pitchFamily="34" charset="0"/>
+                <a:cs typeface="Courier New" panose="02070309020205020404" pitchFamily="49" charset="0"/>
+              </a:rPr>
+              <a:t>Cat cc = </a:t>
+            </a:r>
+            <a:r>
+              <a:rPr lang="de-DE" dirty="0" err="1">
+                <a:effectLst/>
+                <a:latin typeface="Courier New" panose="02070309020205020404" pitchFamily="49" charset="0"/>
+                <a:ea typeface="Calibri" panose="020F0502020204030204" pitchFamily="34" charset="0"/>
+                <a:cs typeface="Courier New" panose="02070309020205020404" pitchFamily="49" charset="0"/>
+              </a:rPr>
+              <a:t>new</a:t>
+            </a:r>
+            <a:r>
+              <a:rPr lang="de-DE" dirty="0">
+                <a:effectLst/>
+                <a:latin typeface="Courier New" panose="02070309020205020404" pitchFamily="49" charset="0"/>
+                <a:ea typeface="Calibri" panose="020F0502020204030204" pitchFamily="34" charset="0"/>
+                <a:cs typeface="Courier New" panose="02070309020205020404" pitchFamily="49" charset="0"/>
+              </a:rPr>
+              <a:t> Cat();</a:t>
+            </a:r>
+            <a:br>
+              <a:rPr lang="de-DE" dirty="0">
+                <a:effectLst/>
+                <a:latin typeface="Courier New" panose="02070309020205020404" pitchFamily="49" charset="0"/>
+                <a:ea typeface="Calibri" panose="020F0502020204030204" pitchFamily="34" charset="0"/>
+                <a:cs typeface="Courier New" panose="02070309020205020404" pitchFamily="49" charset="0"/>
+              </a:rPr>
+            </a:br>
+            <a:r>
+              <a:rPr lang="de-DE" dirty="0">
+                <a:effectLst/>
+                <a:latin typeface="Courier New" panose="02070309020205020404" pitchFamily="49" charset="0"/>
+                <a:ea typeface="Calibri" panose="020F0502020204030204" pitchFamily="34" charset="0"/>
+                <a:cs typeface="Courier New" panose="02070309020205020404" pitchFamily="49" charset="0"/>
+              </a:rPr>
+              <a:t>cc.name = „Brudi“;</a:t>
+            </a:r>
+            <a:br>
+              <a:rPr lang="de-DE" dirty="0">
+                <a:effectLst/>
+                <a:latin typeface="Courier New" panose="02070309020205020404" pitchFamily="49" charset="0"/>
+                <a:ea typeface="Calibri" panose="020F0502020204030204" pitchFamily="34" charset="0"/>
+                <a:cs typeface="Courier New" panose="02070309020205020404" pitchFamily="49" charset="0"/>
+              </a:rPr>
+            </a:br>
+            <a:r>
+              <a:rPr lang="de-DE" dirty="0" err="1">
+                <a:effectLst/>
+                <a:latin typeface="Courier New" panose="02070309020205020404" pitchFamily="49" charset="0"/>
+                <a:ea typeface="Calibri" panose="020F0502020204030204" pitchFamily="34" charset="0"/>
+                <a:cs typeface="Courier New" panose="02070309020205020404" pitchFamily="49" charset="0"/>
+              </a:rPr>
+              <a:t>cc.weight</a:t>
+            </a:r>
+            <a:r>
+              <a:rPr lang="de-DE" dirty="0">
+                <a:effectLst/>
+                <a:latin typeface="Courier New" panose="02070309020205020404" pitchFamily="49" charset="0"/>
+                <a:ea typeface="Calibri" panose="020F0502020204030204" pitchFamily="34" charset="0"/>
+                <a:cs typeface="Courier New" panose="02070309020205020404" pitchFamily="49" charset="0"/>
+              </a:rPr>
+              <a:t> = 3;</a:t>
+            </a:r>
+            <a:br>
+              <a:rPr lang="de-DE" dirty="0">
+                <a:effectLst/>
+                <a:latin typeface="Courier New" panose="02070309020205020404" pitchFamily="49" charset="0"/>
+                <a:ea typeface="Calibri" panose="020F0502020204030204" pitchFamily="34" charset="0"/>
+                <a:cs typeface="Courier New" panose="02070309020205020404" pitchFamily="49" charset="0"/>
+              </a:rPr>
+            </a:br>
+            <a:r>
+              <a:rPr lang="de-DE" dirty="0" err="1">
+                <a:effectLst/>
+                <a:latin typeface="Courier New" panose="02070309020205020404" pitchFamily="49" charset="0"/>
+                <a:ea typeface="Calibri" panose="020F0502020204030204" pitchFamily="34" charset="0"/>
+                <a:cs typeface="Courier New" panose="02070309020205020404" pitchFamily="49" charset="0"/>
+              </a:rPr>
+              <a:t>sout</a:t>
+            </a:r>
+            <a:r>
+              <a:rPr lang="de-DE" dirty="0">
+                <a:effectLst/>
+                <a:latin typeface="Courier New" panose="02070309020205020404" pitchFamily="49" charset="0"/>
+                <a:ea typeface="Calibri" panose="020F0502020204030204" pitchFamily="34" charset="0"/>
+                <a:cs typeface="Courier New" panose="02070309020205020404" pitchFamily="49" charset="0"/>
+              </a:rPr>
+              <a:t>(</a:t>
+            </a:r>
+            <a:r>
+              <a:rPr lang="de-DE" dirty="0" err="1">
+                <a:effectLst/>
+                <a:latin typeface="Courier New" panose="02070309020205020404" pitchFamily="49" charset="0"/>
+                <a:ea typeface="Calibri" panose="020F0502020204030204" pitchFamily="34" charset="0"/>
+                <a:cs typeface="Courier New" panose="02070309020205020404" pitchFamily="49" charset="0"/>
+              </a:rPr>
+              <a:t>cc.toString</a:t>
+            </a:r>
+            <a:r>
+              <a:rPr lang="de-DE" dirty="0">
+                <a:effectLst/>
+                <a:latin typeface="Courier New" panose="02070309020205020404" pitchFamily="49" charset="0"/>
+                <a:ea typeface="Calibri" panose="020F0502020204030204" pitchFamily="34" charset="0"/>
+                <a:cs typeface="Courier New" panose="02070309020205020404" pitchFamily="49" charset="0"/>
+              </a:rPr>
+              <a:t>());</a:t>
+            </a:r>
+          </a:p>
+          <a:p>
+            <a:pPr marL="450000" lvl="1" indent="0">
+              <a:lnSpc>
+                <a:spcPct val="107000"/>
+              </a:lnSpc>
+              <a:spcAft>
+                <a:spcPts val="800"/>
+              </a:spcAft>
+              <a:buNone/>
+            </a:pPr>
+            <a:r>
+              <a:rPr lang="de-DE" dirty="0">
+                <a:effectLst/>
+                <a:latin typeface="Courier New" panose="02070309020205020404" pitchFamily="49" charset="0"/>
+                <a:ea typeface="Calibri" panose="020F0502020204030204" pitchFamily="34" charset="0"/>
+                <a:cs typeface="Courier New" panose="02070309020205020404" pitchFamily="49" charset="0"/>
+              </a:rPr>
+              <a:t>Animal </a:t>
+            </a:r>
+            <a:r>
+              <a:rPr lang="de-DE" dirty="0" err="1">
+                <a:effectLst/>
+                <a:latin typeface="Courier New" panose="02070309020205020404" pitchFamily="49" charset="0"/>
+                <a:ea typeface="Calibri" panose="020F0502020204030204" pitchFamily="34" charset="0"/>
+                <a:cs typeface="Courier New" panose="02070309020205020404" pitchFamily="49" charset="0"/>
+              </a:rPr>
+              <a:t>ca</a:t>
+            </a:r>
+            <a:r>
+              <a:rPr lang="de-DE" dirty="0">
+                <a:effectLst/>
+                <a:latin typeface="Courier New" panose="02070309020205020404" pitchFamily="49" charset="0"/>
+                <a:ea typeface="Calibri" panose="020F0502020204030204" pitchFamily="34" charset="0"/>
+                <a:cs typeface="Courier New" panose="02070309020205020404" pitchFamily="49" charset="0"/>
+              </a:rPr>
+              <a:t> = </a:t>
+            </a:r>
+            <a:r>
+              <a:rPr lang="de-DE" dirty="0" err="1">
+                <a:effectLst/>
+                <a:latin typeface="Courier New" panose="02070309020205020404" pitchFamily="49" charset="0"/>
+                <a:ea typeface="Calibri" panose="020F0502020204030204" pitchFamily="34" charset="0"/>
+                <a:cs typeface="Courier New" panose="02070309020205020404" pitchFamily="49" charset="0"/>
+              </a:rPr>
+              <a:t>new</a:t>
+            </a:r>
+            <a:r>
+              <a:rPr lang="de-DE" dirty="0">
+                <a:effectLst/>
+                <a:latin typeface="Courier New" panose="02070309020205020404" pitchFamily="49" charset="0"/>
+                <a:ea typeface="Calibri" panose="020F0502020204030204" pitchFamily="34" charset="0"/>
+                <a:cs typeface="Courier New" panose="02070309020205020404" pitchFamily="49" charset="0"/>
+              </a:rPr>
+              <a:t> Cat();</a:t>
+            </a:r>
+            <a:br>
+              <a:rPr lang="de-DE" dirty="0">
+                <a:effectLst/>
+                <a:latin typeface="Courier New" panose="02070309020205020404" pitchFamily="49" charset="0"/>
+                <a:ea typeface="Calibri" panose="020F0502020204030204" pitchFamily="34" charset="0"/>
+                <a:cs typeface="Courier New" panose="02070309020205020404" pitchFamily="49" charset="0"/>
+              </a:rPr>
+            </a:br>
+            <a:r>
+              <a:rPr lang="de-DE" dirty="0">
+                <a:effectLst/>
+                <a:latin typeface="Courier New" panose="02070309020205020404" pitchFamily="49" charset="0"/>
+                <a:ea typeface="Calibri" panose="020F0502020204030204" pitchFamily="34" charset="0"/>
+                <a:cs typeface="Courier New" panose="02070309020205020404" pitchFamily="49" charset="0"/>
+              </a:rPr>
+              <a:t>ca.name = „Brudi“;</a:t>
+            </a:r>
+            <a:br>
+              <a:rPr lang="de-DE" dirty="0">
+                <a:effectLst/>
+                <a:latin typeface="Courier New" panose="02070309020205020404" pitchFamily="49" charset="0"/>
+                <a:ea typeface="Calibri" panose="020F0502020204030204" pitchFamily="34" charset="0"/>
+                <a:cs typeface="Courier New" panose="02070309020205020404" pitchFamily="49" charset="0"/>
+              </a:rPr>
+            </a:br>
+            <a:r>
+              <a:rPr lang="de-DE" dirty="0" err="1">
+                <a:effectLst/>
+                <a:latin typeface="Courier New" panose="02070309020205020404" pitchFamily="49" charset="0"/>
+                <a:ea typeface="Calibri" panose="020F0502020204030204" pitchFamily="34" charset="0"/>
+                <a:cs typeface="Courier New" panose="02070309020205020404" pitchFamily="49" charset="0"/>
+              </a:rPr>
+              <a:t>sout</a:t>
+            </a:r>
+            <a:r>
+              <a:rPr lang="de-DE" dirty="0">
+                <a:effectLst/>
+                <a:latin typeface="Courier New" panose="02070309020205020404" pitchFamily="49" charset="0"/>
+                <a:ea typeface="Calibri" panose="020F0502020204030204" pitchFamily="34" charset="0"/>
+                <a:cs typeface="Courier New" panose="02070309020205020404" pitchFamily="49" charset="0"/>
+              </a:rPr>
+              <a:t>(</a:t>
+            </a:r>
+            <a:r>
+              <a:rPr lang="de-DE" dirty="0" err="1">
+                <a:effectLst/>
+                <a:latin typeface="Courier New" panose="02070309020205020404" pitchFamily="49" charset="0"/>
+                <a:ea typeface="Calibri" panose="020F0502020204030204" pitchFamily="34" charset="0"/>
+                <a:cs typeface="Courier New" panose="02070309020205020404" pitchFamily="49" charset="0"/>
+              </a:rPr>
+              <a:t>ca.toString</a:t>
+            </a:r>
+            <a:r>
+              <a:rPr lang="de-DE" dirty="0">
+                <a:effectLst/>
+                <a:latin typeface="Courier New" panose="02070309020205020404" pitchFamily="49" charset="0"/>
+                <a:ea typeface="Calibri" panose="020F0502020204030204" pitchFamily="34" charset="0"/>
+                <a:cs typeface="Courier New" panose="02070309020205020404" pitchFamily="49" charset="0"/>
+              </a:rPr>
+              <a:t>());</a:t>
+            </a:r>
+          </a:p>
+          <a:p>
+            <a:pPr marL="450000" lvl="1" indent="0">
+              <a:lnSpc>
+                <a:spcPct val="107000"/>
+              </a:lnSpc>
+              <a:spcAft>
+                <a:spcPts val="800"/>
+              </a:spcAft>
+              <a:buNone/>
+            </a:pPr>
+            <a:r>
+              <a:rPr lang="de-DE" dirty="0" err="1">
+                <a:effectLst/>
+                <a:latin typeface="Courier New" panose="02070309020205020404" pitchFamily="49" charset="0"/>
+                <a:ea typeface="Calibri" panose="020F0502020204030204" pitchFamily="34" charset="0"/>
+                <a:cs typeface="Courier New" panose="02070309020205020404" pitchFamily="49" charset="0"/>
+              </a:rPr>
+              <a:t>Object</a:t>
+            </a:r>
+            <a:r>
+              <a:rPr lang="de-DE" dirty="0">
+                <a:effectLst/>
+                <a:latin typeface="Courier New" panose="02070309020205020404" pitchFamily="49" charset="0"/>
+                <a:ea typeface="Calibri" panose="020F0502020204030204" pitchFamily="34" charset="0"/>
+                <a:cs typeface="Courier New" panose="02070309020205020404" pitchFamily="49" charset="0"/>
+              </a:rPr>
+              <a:t> </a:t>
+            </a:r>
+            <a:r>
+              <a:rPr lang="de-DE" dirty="0" err="1">
+                <a:effectLst/>
+                <a:latin typeface="Courier New" panose="02070309020205020404" pitchFamily="49" charset="0"/>
+                <a:ea typeface="Calibri" panose="020F0502020204030204" pitchFamily="34" charset="0"/>
+                <a:cs typeface="Courier New" panose="02070309020205020404" pitchFamily="49" charset="0"/>
+              </a:rPr>
+              <a:t>co</a:t>
+            </a:r>
+            <a:r>
+              <a:rPr lang="de-DE" dirty="0">
+                <a:effectLst/>
+                <a:latin typeface="Courier New" panose="02070309020205020404" pitchFamily="49" charset="0"/>
+                <a:ea typeface="Calibri" panose="020F0502020204030204" pitchFamily="34" charset="0"/>
+                <a:cs typeface="Courier New" panose="02070309020205020404" pitchFamily="49" charset="0"/>
+              </a:rPr>
+              <a:t> = </a:t>
+            </a:r>
+            <a:r>
+              <a:rPr lang="de-DE" dirty="0" err="1">
+                <a:effectLst/>
+                <a:latin typeface="Courier New" panose="02070309020205020404" pitchFamily="49" charset="0"/>
+                <a:ea typeface="Calibri" panose="020F0502020204030204" pitchFamily="34" charset="0"/>
+                <a:cs typeface="Courier New" panose="02070309020205020404" pitchFamily="49" charset="0"/>
+              </a:rPr>
+              <a:t>new</a:t>
+            </a:r>
+            <a:r>
+              <a:rPr lang="de-DE" dirty="0">
+                <a:effectLst/>
+                <a:latin typeface="Courier New" panose="02070309020205020404" pitchFamily="49" charset="0"/>
+                <a:ea typeface="Calibri" panose="020F0502020204030204" pitchFamily="34" charset="0"/>
+                <a:cs typeface="Courier New" panose="02070309020205020404" pitchFamily="49" charset="0"/>
+              </a:rPr>
+              <a:t> Cat();</a:t>
+            </a:r>
+            <a:br>
+              <a:rPr lang="de-DE" dirty="0">
+                <a:effectLst/>
+                <a:latin typeface="Courier New" panose="02070309020205020404" pitchFamily="49" charset="0"/>
+                <a:ea typeface="Calibri" panose="020F0502020204030204" pitchFamily="34" charset="0"/>
+                <a:cs typeface="Courier New" panose="02070309020205020404" pitchFamily="49" charset="0"/>
+              </a:rPr>
+            </a:br>
+            <a:r>
+              <a:rPr lang="de-DE" dirty="0" err="1">
+                <a:effectLst/>
+                <a:latin typeface="Courier New" panose="02070309020205020404" pitchFamily="49" charset="0"/>
+                <a:ea typeface="Calibri" panose="020F0502020204030204" pitchFamily="34" charset="0"/>
+                <a:cs typeface="Courier New" panose="02070309020205020404" pitchFamily="49" charset="0"/>
+              </a:rPr>
+              <a:t>sout</a:t>
+            </a:r>
+            <a:r>
+              <a:rPr lang="de-DE" dirty="0">
+                <a:effectLst/>
+                <a:latin typeface="Courier New" panose="02070309020205020404" pitchFamily="49" charset="0"/>
+                <a:ea typeface="Calibri" panose="020F0502020204030204" pitchFamily="34" charset="0"/>
+                <a:cs typeface="Courier New" panose="02070309020205020404" pitchFamily="49" charset="0"/>
+              </a:rPr>
+              <a:t>(</a:t>
+            </a:r>
+            <a:r>
+              <a:rPr lang="de-DE" dirty="0" err="1">
+                <a:effectLst/>
+                <a:latin typeface="Courier New" panose="02070309020205020404" pitchFamily="49" charset="0"/>
+                <a:ea typeface="Calibri" panose="020F0502020204030204" pitchFamily="34" charset="0"/>
+                <a:cs typeface="Courier New" panose="02070309020205020404" pitchFamily="49" charset="0"/>
+              </a:rPr>
+              <a:t>co.toString</a:t>
+            </a:r>
+            <a:r>
+              <a:rPr lang="de-DE" dirty="0">
+                <a:effectLst/>
+                <a:latin typeface="Courier New" panose="02070309020205020404" pitchFamily="49" charset="0"/>
+                <a:ea typeface="Calibri" panose="020F0502020204030204" pitchFamily="34" charset="0"/>
+                <a:cs typeface="Courier New" panose="02070309020205020404" pitchFamily="49" charset="0"/>
+              </a:rPr>
+              <a:t>());</a:t>
+            </a:r>
+          </a:p>
+        </p:txBody>
+      </p:sp>
+      <p:sp>
+        <p:nvSpPr>
+          <p:cNvPr id="6" name="Inhaltsplatzhalter 2">
+            <a:extLst>
+              <a:ext uri="{FF2B5EF4-FFF2-40B4-BE49-F238E27FC236}">
+                <a16:creationId xmlns:a16="http://schemas.microsoft.com/office/drawing/2014/main" id="{73636E49-73D7-4EFB-998F-D3B8391014F1}"/>
+              </a:ext>
+            </a:extLst>
+          </p:cNvPr>
+          <p:cNvSpPr txBox="1">
+            <a:spLocks/>
+          </p:cNvSpPr>
+          <p:nvPr/>
+        </p:nvSpPr>
+        <p:spPr>
+          <a:xfrm>
+            <a:off x="6090676" y="1732448"/>
+            <a:ext cx="3932525" cy="507831"/>
+          </a:xfrm>
+          <a:prstGeom prst="rect">
+            <a:avLst/>
+          </a:prstGeom>
+          <a:effectLst>
+            <a:outerShdw blurRad="25400" dir="17880000">
+              <a:srgbClr val="000000">
+                <a:alpha val="46000"/>
+              </a:srgbClr>
+            </a:outerShdw>
+          </a:effectLst>
+        </p:spPr>
+        <p:txBody>
+          <a:bodyPr vert="horz" lIns="91440" tIns="45720" rIns="91440" bIns="45720" rtlCol="0" anchor="t">
+            <a:normAutofit/>
+          </a:bodyPr>
+          <a:lstStyle>
+            <a:lvl1pPr marL="342900" indent="-306000" algn="l" defTabSz="457200" rtl="0" eaLnBrk="1" latinLnBrk="0" hangingPunct="1">
+              <a:spcBef>
+                <a:spcPct val="20000"/>
+              </a:spcBef>
+              <a:spcAft>
+                <a:spcPts val="600"/>
+              </a:spcAft>
+              <a:buClr>
+                <a:schemeClr val="tx2"/>
+              </a:buClr>
+              <a:buSzPct val="70000"/>
+              <a:buFont typeface="Wingdings 2" charset="2"/>
+              <a:buChar char=""/>
+              <a:defRPr sz="2000" kern="1200">
+                <a:ln>
+                  <a:solidFill>
+                    <a:schemeClr val="bg1">
+                      <a:lumMod val="75000"/>
+                      <a:lumOff val="25000"/>
+                      <a:alpha val="10000"/>
+                    </a:schemeClr>
+                  </a:solidFill>
+                </a:ln>
+                <a:solidFill>
+                  <a:schemeClr val="tx2"/>
+                </a:solidFill>
+                <a:effectLst>
+                  <a:outerShdw blurRad="9525" dist="25400" dir="14640000" algn="tl" rotWithShape="0">
+                    <a:schemeClr val="bg1">
+                      <a:alpha val="30000"/>
+                    </a:schemeClr>
+                  </a:outerShdw>
+                </a:effectLst>
+                <a:latin typeface="+mn-lt"/>
+                <a:ea typeface="+mn-ea"/>
+                <a:cs typeface="+mn-cs"/>
+              </a:defRPr>
+            </a:lvl1pPr>
+            <a:lvl2pPr marL="720000" indent="-270000" algn="l" defTabSz="457200" rtl="0" eaLnBrk="1" latinLnBrk="0" hangingPunct="1">
+              <a:spcBef>
+                <a:spcPct val="20000"/>
+              </a:spcBef>
+              <a:spcAft>
+                <a:spcPts val="600"/>
+              </a:spcAft>
+              <a:buClr>
+                <a:schemeClr val="tx2"/>
+              </a:buClr>
+              <a:buSzPct val="70000"/>
+              <a:buFont typeface="Wingdings 2" charset="2"/>
+              <a:buChar char=""/>
+              <a:defRPr sz="1800" kern="1200">
+                <a:ln>
+                  <a:solidFill>
+                    <a:schemeClr val="bg1">
+                      <a:lumMod val="75000"/>
+                      <a:lumOff val="25000"/>
+                      <a:alpha val="10000"/>
+                    </a:schemeClr>
+                  </a:solidFill>
+                </a:ln>
+                <a:solidFill>
+                  <a:schemeClr val="tx2"/>
+                </a:solidFill>
+                <a:effectLst>
+                  <a:outerShdw blurRad="9525" dist="25400" dir="14640000" algn="tl" rotWithShape="0">
+                    <a:schemeClr val="bg1">
+                      <a:alpha val="30000"/>
+                    </a:schemeClr>
+                  </a:outerShdw>
+                </a:effectLst>
+                <a:latin typeface="+mn-lt"/>
+                <a:ea typeface="+mn-ea"/>
+                <a:cs typeface="+mn-cs"/>
+              </a:defRPr>
+            </a:lvl2pPr>
+            <a:lvl3pPr marL="1026000" indent="-216000" algn="l" defTabSz="457200" rtl="0" eaLnBrk="1" latinLnBrk="0" hangingPunct="1">
+              <a:spcBef>
+                <a:spcPct val="20000"/>
+              </a:spcBef>
+              <a:spcAft>
+                <a:spcPts val="600"/>
+              </a:spcAft>
+              <a:buClr>
+                <a:schemeClr val="tx2"/>
+              </a:buClr>
+              <a:buSzPct val="70000"/>
+              <a:buFont typeface="Wingdings 2" charset="2"/>
+              <a:buChar char=""/>
+              <a:defRPr sz="1600" kern="1200">
+                <a:ln>
+                  <a:solidFill>
+                    <a:schemeClr val="bg1">
+                      <a:lumMod val="75000"/>
+                      <a:lumOff val="25000"/>
+                      <a:alpha val="10000"/>
+                    </a:schemeClr>
+                  </a:solidFill>
+                </a:ln>
+                <a:solidFill>
+                  <a:schemeClr val="tx2"/>
+                </a:solidFill>
+                <a:effectLst>
+                  <a:outerShdw blurRad="9525" dist="25400" dir="14640000" algn="tl" rotWithShape="0">
+                    <a:schemeClr val="bg1">
+                      <a:alpha val="30000"/>
+                    </a:schemeClr>
+                  </a:outerShdw>
+                </a:effectLst>
+                <a:latin typeface="+mn-lt"/>
+                <a:ea typeface="+mn-ea"/>
+                <a:cs typeface="+mn-cs"/>
+              </a:defRPr>
+            </a:lvl3pPr>
+            <a:lvl4pPr marL="1386000" indent="-216000" algn="l" defTabSz="457200" rtl="0" eaLnBrk="1" latinLnBrk="0" hangingPunct="1">
+              <a:spcBef>
+                <a:spcPct val="20000"/>
+              </a:spcBef>
+              <a:spcAft>
+                <a:spcPts val="600"/>
+              </a:spcAft>
+              <a:buClr>
+                <a:schemeClr val="tx2"/>
+              </a:buClr>
+              <a:buSzPct val="70000"/>
+              <a:buFont typeface="Wingdings 2" charset="2"/>
+              <a:buChar char=""/>
+              <a:defRPr sz="1400" kern="1200">
+                <a:ln>
+                  <a:solidFill>
+                    <a:schemeClr val="bg1">
+                      <a:lumMod val="75000"/>
+                      <a:lumOff val="25000"/>
+                      <a:alpha val="10000"/>
+                    </a:schemeClr>
+                  </a:solidFill>
+                </a:ln>
+                <a:solidFill>
+                  <a:schemeClr val="tx2"/>
+                </a:solidFill>
+                <a:effectLst>
+                  <a:outerShdw blurRad="9525" dist="25400" dir="14640000" algn="tl" rotWithShape="0">
+                    <a:schemeClr val="bg1">
+                      <a:alpha val="30000"/>
+                    </a:schemeClr>
+                  </a:outerShdw>
+                </a:effectLst>
+                <a:latin typeface="+mn-lt"/>
+                <a:ea typeface="+mn-ea"/>
+                <a:cs typeface="+mn-cs"/>
+              </a:defRPr>
+            </a:lvl4pPr>
+            <a:lvl5pPr marL="1674000" indent="-216000" algn="l" defTabSz="457200" rtl="0" eaLnBrk="1" latinLnBrk="0" hangingPunct="1">
+              <a:spcBef>
+                <a:spcPct val="20000"/>
+              </a:spcBef>
+              <a:spcAft>
+                <a:spcPts val="600"/>
+              </a:spcAft>
+              <a:buClr>
+                <a:schemeClr val="tx2"/>
+              </a:buClr>
+              <a:buSzPct val="70000"/>
+              <a:buFont typeface="Wingdings 2" charset="2"/>
+              <a:buChar char=""/>
+              <a:defRPr sz="1400" kern="1200">
+                <a:ln>
+                  <a:solidFill>
+                    <a:schemeClr val="bg1">
+                      <a:lumMod val="75000"/>
+                      <a:lumOff val="25000"/>
+                      <a:alpha val="10000"/>
+                    </a:schemeClr>
+                  </a:solidFill>
+                </a:ln>
+                <a:solidFill>
+                  <a:schemeClr val="tx2"/>
+                </a:solidFill>
+                <a:effectLst>
+                  <a:outerShdw blurRad="9525" dist="25400" dir="14640000" algn="tl" rotWithShape="0">
+                    <a:schemeClr val="bg1">
+                      <a:alpha val="30000"/>
+                    </a:schemeClr>
+                  </a:outerShdw>
+                </a:effectLst>
+                <a:latin typeface="+mn-lt"/>
+                <a:ea typeface="+mn-ea"/>
+                <a:cs typeface="+mn-cs"/>
+              </a:defRPr>
+            </a:lvl5pPr>
+            <a:lvl6pPr marL="2014600" indent="-228600" algn="l" defTabSz="457200" rtl="0" eaLnBrk="1" latinLnBrk="0" hangingPunct="1">
+              <a:spcBef>
+                <a:spcPct val="20000"/>
+              </a:spcBef>
+              <a:spcAft>
+                <a:spcPts val="600"/>
+              </a:spcAft>
+              <a:buClr>
+                <a:schemeClr val="tx2"/>
+              </a:buClr>
+              <a:buSzPct val="70000"/>
+              <a:buFont typeface="Wingdings 2" charset="2"/>
+              <a:buChar char=""/>
+              <a:defRPr sz="1400" kern="1200">
+                <a:ln>
+                  <a:solidFill>
+                    <a:schemeClr val="bg1">
+                      <a:lumMod val="75000"/>
+                      <a:lumOff val="25000"/>
+                      <a:alpha val="10000"/>
+                    </a:schemeClr>
+                  </a:solidFill>
+                </a:ln>
+                <a:solidFill>
+                  <a:schemeClr val="tx2"/>
+                </a:solidFill>
+                <a:effectLst>
+                  <a:outerShdw blurRad="9525" dist="25400" dir="14640000" algn="tl" rotWithShape="0">
+                    <a:schemeClr val="bg1">
+                      <a:alpha val="30000"/>
+                    </a:schemeClr>
+                  </a:outerShdw>
+                </a:effectLst>
+                <a:latin typeface="+mn-lt"/>
+                <a:ea typeface="+mn-ea"/>
+                <a:cs typeface="+mn-cs"/>
+              </a:defRPr>
+            </a:lvl6pPr>
+            <a:lvl7pPr marL="2401800" indent="-228600" algn="l" defTabSz="457200" rtl="0" eaLnBrk="1" latinLnBrk="0" hangingPunct="1">
+              <a:spcBef>
+                <a:spcPct val="20000"/>
+              </a:spcBef>
+              <a:spcAft>
+                <a:spcPts val="600"/>
+              </a:spcAft>
+              <a:buClr>
+                <a:schemeClr val="tx2"/>
+              </a:buClr>
+              <a:buSzPct val="70000"/>
+              <a:buFont typeface="Wingdings 2" charset="2"/>
+              <a:buChar char=""/>
+              <a:defRPr sz="1400" kern="1200">
+                <a:ln>
+                  <a:solidFill>
+                    <a:schemeClr val="bg1">
+                      <a:lumMod val="75000"/>
+                      <a:lumOff val="25000"/>
+                      <a:alpha val="10000"/>
+                    </a:schemeClr>
+                  </a:solidFill>
+                </a:ln>
+                <a:solidFill>
+                  <a:schemeClr val="tx2"/>
+                </a:solidFill>
+                <a:effectLst>
+                  <a:outerShdw blurRad="9525" dist="25400" dir="14640000" algn="tl" rotWithShape="0">
+                    <a:schemeClr val="bg1">
+                      <a:alpha val="30000"/>
+                    </a:schemeClr>
+                  </a:outerShdw>
+                </a:effectLst>
+                <a:latin typeface="+mn-lt"/>
+                <a:ea typeface="+mn-ea"/>
+                <a:cs typeface="+mn-cs"/>
+              </a:defRPr>
+            </a:lvl7pPr>
+            <a:lvl8pPr marL="2789000" indent="-228600" algn="l" defTabSz="457200" rtl="0" eaLnBrk="1" latinLnBrk="0" hangingPunct="1">
+              <a:spcBef>
+                <a:spcPct val="20000"/>
+              </a:spcBef>
+              <a:spcAft>
+                <a:spcPts val="600"/>
+              </a:spcAft>
+              <a:buClr>
+                <a:schemeClr val="tx2"/>
+              </a:buClr>
+              <a:buSzPct val="70000"/>
+              <a:buFont typeface="Wingdings 2" charset="2"/>
+              <a:buChar char=""/>
+              <a:defRPr sz="1400" kern="1200">
+                <a:ln>
+                  <a:solidFill>
+                    <a:schemeClr val="bg1">
+                      <a:lumMod val="75000"/>
+                      <a:lumOff val="25000"/>
+                      <a:alpha val="10000"/>
+                    </a:schemeClr>
+                  </a:solidFill>
+                </a:ln>
+                <a:solidFill>
+                  <a:schemeClr val="tx2"/>
+                </a:solidFill>
+                <a:effectLst>
+                  <a:outerShdw blurRad="9525" dist="25400" dir="14640000" algn="tl" rotWithShape="0">
+                    <a:schemeClr val="bg1">
+                      <a:alpha val="30000"/>
+                    </a:schemeClr>
+                  </a:outerShdw>
+                </a:effectLst>
+                <a:latin typeface="+mn-lt"/>
+                <a:ea typeface="+mn-ea"/>
+                <a:cs typeface="+mn-cs"/>
+              </a:defRPr>
+            </a:lvl8pPr>
+            <a:lvl9pPr marL="3106200" indent="-228600" algn="l" defTabSz="457200" rtl="0" eaLnBrk="1" latinLnBrk="0" hangingPunct="1">
+              <a:spcBef>
+                <a:spcPct val="20000"/>
+              </a:spcBef>
+              <a:spcAft>
+                <a:spcPts val="600"/>
+              </a:spcAft>
+              <a:buClr>
+                <a:schemeClr val="tx2"/>
+              </a:buClr>
+              <a:buSzPct val="70000"/>
+              <a:buFont typeface="Wingdings 2" charset="2"/>
+              <a:buChar char=""/>
+              <a:defRPr sz="1400" kern="1200">
+                <a:ln>
+                  <a:solidFill>
+                    <a:schemeClr val="bg1">
+                      <a:lumMod val="75000"/>
+                      <a:lumOff val="25000"/>
+                      <a:alpha val="10000"/>
+                    </a:schemeClr>
+                  </a:solidFill>
+                </a:ln>
+                <a:solidFill>
+                  <a:schemeClr val="tx2"/>
+                </a:solidFill>
+                <a:effectLst>
+                  <a:outerShdw blurRad="9525" dist="25400" dir="14640000" algn="tl" rotWithShape="0">
+                    <a:schemeClr val="bg1">
+                      <a:alpha val="30000"/>
+                    </a:schemeClr>
+                  </a:outerShdw>
+                </a:effectLst>
+                <a:latin typeface="+mn-lt"/>
+                <a:ea typeface="+mn-ea"/>
+                <a:cs typeface="+mn-cs"/>
+              </a:defRPr>
+            </a:lvl9pPr>
+          </a:lstStyle>
+          <a:p>
+            <a:r>
+              <a:rPr lang="de-DE" dirty="0"/>
+              <a:t>Methodenaufruf:</a:t>
+            </a:r>
+          </a:p>
+          <a:p>
+            <a:pPr marL="36900" indent="0">
+              <a:buFont typeface="Wingdings 2" charset="2"/>
+              <a:buNone/>
+            </a:pPr>
+            <a:endParaRPr lang="de-DE" dirty="0"/>
+          </a:p>
+        </p:txBody>
+      </p:sp>
+    </p:spTree>
+    <p:extLst>
+      <p:ext uri="{BB962C8B-B14F-4D97-AF65-F5344CB8AC3E}">
+        <p14:creationId xmlns:p14="http://schemas.microsoft.com/office/powerpoint/2010/main" val="1436118912"/>
+      </p:ext>
+    </p:extLst>
+  </p:cSld>
+  <p:clrMapOvr>
+    <a:masterClrMapping/>
+  </p:clrMapOvr>
+</p:sld>
+</file>
+
+<file path=ppt/slides/slide14.xml><?xml version="1.0" encoding="utf-8"?>
+<p:sld xmlns:a="http://schemas.openxmlformats.org/drawingml/2006/main" xmlns:r="http://schemas.openxmlformats.org/officeDocument/2006/relationships" xmlns:p="http://schemas.openxmlformats.org/presentationml/2006/main">
+  <p:cSld>
+    <p:spTree>
+      <p:nvGrpSpPr>
+        <p:cNvPr id="1" name=""/>
+        <p:cNvGrpSpPr/>
+        <p:nvPr/>
+      </p:nvGrpSpPr>
+      <p:grpSpPr>
+        <a:xfrm>
+          <a:off x="0" y="0"/>
+          <a:ext cx="0" cy="0"/>
+          <a:chOff x="0" y="0"/>
+          <a:chExt cx="0" cy="0"/>
+        </a:xfrm>
+      </p:grpSpPr>
+      <p:sp>
+        <p:nvSpPr>
+          <p:cNvPr id="2" name="Titel 1">
+            <a:extLst>
+              <a:ext uri="{FF2B5EF4-FFF2-40B4-BE49-F238E27FC236}">
+                <a16:creationId xmlns:a16="http://schemas.microsoft.com/office/drawing/2014/main" id="{E619F47B-C6D2-4033-BCA1-5653BCF4868C}"/>
+              </a:ext>
+            </a:extLst>
+          </p:cNvPr>
+          <p:cNvSpPr>
+            <a:spLocks noGrp="1"/>
+          </p:cNvSpPr>
+          <p:nvPr>
+            <p:ph type="title"/>
+          </p:nvPr>
+        </p:nvSpPr>
+        <p:spPr/>
+        <p:txBody>
+          <a:bodyPr/>
+          <a:lstStyle/>
+          <a:p>
+            <a:r>
+              <a:rPr lang="de-DE" dirty="0">
+                <a:latin typeface="Calibri" panose="020F0502020204030204" pitchFamily="34" charset="0"/>
+                <a:cs typeface="Calibri" panose="020F0502020204030204" pitchFamily="34" charset="0"/>
+              </a:rPr>
+              <a:t>Abstrakte Klassen und Methoden</a:t>
+            </a:r>
+          </a:p>
+        </p:txBody>
+      </p:sp>
+      <p:sp>
+        <p:nvSpPr>
+          <p:cNvPr id="3" name="Inhaltsplatzhalter 2">
+            <a:extLst>
+              <a:ext uri="{FF2B5EF4-FFF2-40B4-BE49-F238E27FC236}">
+                <a16:creationId xmlns:a16="http://schemas.microsoft.com/office/drawing/2014/main" id="{9FEA2A9B-F7C0-4E9D-A5EC-E4C16737228C}"/>
+              </a:ext>
+            </a:extLst>
+          </p:cNvPr>
+          <p:cNvSpPr>
+            <a:spLocks noGrp="1"/>
+          </p:cNvSpPr>
+          <p:nvPr>
+            <p:ph idx="1"/>
+          </p:nvPr>
+        </p:nvSpPr>
+        <p:spPr/>
+        <p:txBody>
+          <a:bodyPr/>
+          <a:lstStyle/>
+          <a:p>
+            <a:r>
+              <a:rPr lang="de-DE" dirty="0">
+                <a:latin typeface="Calibri" panose="020F0502020204030204" pitchFamily="34" charset="0"/>
+                <a:cs typeface="Calibri" panose="020F0502020204030204" pitchFamily="34" charset="0"/>
+              </a:rPr>
+              <a:t>können nicht instanziiert werden</a:t>
+            </a:r>
+          </a:p>
+          <a:p>
+            <a:r>
+              <a:rPr lang="de-DE" dirty="0">
+                <a:latin typeface="Calibri" panose="020F0502020204030204" pitchFamily="34" charset="0"/>
+                <a:cs typeface="Calibri" panose="020F0502020204030204" pitchFamily="34" charset="0"/>
+              </a:rPr>
+              <a:t>Klassen, die von abstrakten Klassen erben, müssen die abstrakten Methoden implementieren oder selbst abstrakt sein</a:t>
+            </a:r>
+          </a:p>
+          <a:p>
+            <a:r>
+              <a:rPr lang="de-DE" dirty="0">
+                <a:latin typeface="Calibri" panose="020F0502020204030204" pitchFamily="34" charset="0"/>
+                <a:cs typeface="Calibri" panose="020F0502020204030204" pitchFamily="34" charset="0"/>
+              </a:rPr>
+              <a:t>abstrakte Methoden bestehen nur aus Signaturen </a:t>
+            </a:r>
+          </a:p>
+          <a:p>
+            <a:pPr lvl="1"/>
+            <a:r>
+              <a:rPr lang="de-DE" dirty="0">
+                <a:latin typeface="Calibri" panose="020F0502020204030204" pitchFamily="34" charset="0"/>
+                <a:cs typeface="Calibri" panose="020F0502020204030204" pitchFamily="34" charset="0"/>
+              </a:rPr>
+              <a:t>Bsp.: </a:t>
+            </a:r>
+            <a:r>
+              <a:rPr lang="de-DE" dirty="0" err="1">
+                <a:latin typeface="Calibri" panose="020F0502020204030204" pitchFamily="34" charset="0"/>
+                <a:cs typeface="Calibri" panose="020F0502020204030204" pitchFamily="34" charset="0"/>
+              </a:rPr>
+              <a:t>abstract</a:t>
+            </a:r>
+            <a:r>
+              <a:rPr lang="de-DE" dirty="0">
+                <a:latin typeface="Calibri" panose="020F0502020204030204" pitchFamily="34" charset="0"/>
+                <a:cs typeface="Calibri" panose="020F0502020204030204" pitchFamily="34" charset="0"/>
+              </a:rPr>
+              <a:t> </a:t>
+            </a:r>
+            <a:r>
+              <a:rPr lang="de-DE" dirty="0" err="1">
+                <a:latin typeface="Calibri" panose="020F0502020204030204" pitchFamily="34" charset="0"/>
+                <a:cs typeface="Calibri" panose="020F0502020204030204" pitchFamily="34" charset="0"/>
+              </a:rPr>
+              <a:t>public</a:t>
+            </a:r>
+            <a:r>
+              <a:rPr lang="de-DE" dirty="0">
+                <a:latin typeface="Calibri" panose="020F0502020204030204" pitchFamily="34" charset="0"/>
+                <a:cs typeface="Calibri" panose="020F0502020204030204" pitchFamily="34" charset="0"/>
+              </a:rPr>
+              <a:t> </a:t>
+            </a:r>
+            <a:r>
+              <a:rPr lang="de-DE" dirty="0" err="1">
+                <a:latin typeface="Calibri" panose="020F0502020204030204" pitchFamily="34" charset="0"/>
+                <a:cs typeface="Calibri" panose="020F0502020204030204" pitchFamily="34" charset="0"/>
+              </a:rPr>
+              <a:t>void</a:t>
+            </a:r>
+            <a:r>
+              <a:rPr lang="de-DE" dirty="0">
+                <a:latin typeface="Calibri" panose="020F0502020204030204" pitchFamily="34" charset="0"/>
+                <a:cs typeface="Calibri" panose="020F0502020204030204" pitchFamily="34" charset="0"/>
+              </a:rPr>
+              <a:t> </a:t>
+            </a:r>
+            <a:r>
+              <a:rPr lang="de-DE" dirty="0" err="1">
+                <a:latin typeface="Calibri" panose="020F0502020204030204" pitchFamily="34" charset="0"/>
+                <a:cs typeface="Calibri" panose="020F0502020204030204" pitchFamily="34" charset="0"/>
+              </a:rPr>
+              <a:t>setArea</a:t>
+            </a:r>
+            <a:r>
+              <a:rPr lang="de-DE" dirty="0">
+                <a:latin typeface="Calibri" panose="020F0502020204030204" pitchFamily="34" charset="0"/>
+                <a:cs typeface="Calibri" panose="020F0502020204030204" pitchFamily="34" charset="0"/>
+              </a:rPr>
+              <a:t>(); //von subklasse zu Implementieren</a:t>
+            </a:r>
+          </a:p>
+          <a:p>
+            <a:r>
+              <a:rPr lang="de-DE" dirty="0">
+                <a:latin typeface="Calibri" panose="020F0502020204030204" pitchFamily="34" charset="0"/>
+                <a:cs typeface="Calibri" panose="020F0502020204030204" pitchFamily="34" charset="0"/>
+              </a:rPr>
+              <a:t>ist ein „Versprechen“ diese Methode in allen Subklassen zu haben</a:t>
+            </a:r>
+          </a:p>
+          <a:p>
+            <a:endParaRPr lang="de-DE" dirty="0"/>
+          </a:p>
+        </p:txBody>
+      </p:sp>
+    </p:spTree>
+    <p:extLst>
+      <p:ext uri="{BB962C8B-B14F-4D97-AF65-F5344CB8AC3E}">
+        <p14:creationId xmlns:p14="http://schemas.microsoft.com/office/powerpoint/2010/main" val="1036796411"/>
+      </p:ext>
+    </p:extLst>
+  </p:cSld>
+  <p:clrMapOvr>
+    <a:masterClrMapping/>
+  </p:clrMapOvr>
+</p:sld>
+</file>
+
+<file path=ppt/slides/slide15.xml><?xml version="1.0" encoding="utf-8"?>
+<p:sld xmlns:a="http://schemas.openxmlformats.org/drawingml/2006/main" xmlns:r="http://schemas.openxmlformats.org/officeDocument/2006/relationships" xmlns:p="http://schemas.openxmlformats.org/presentationml/2006/main">
+  <p:cSld>
+    <p:spTree>
+      <p:nvGrpSpPr>
+        <p:cNvPr id="1" name=""/>
+        <p:cNvGrpSpPr/>
+        <p:nvPr/>
+      </p:nvGrpSpPr>
+      <p:grpSpPr>
+        <a:xfrm>
+          <a:off x="0" y="0"/>
+          <a:ext cx="0" cy="0"/>
+          <a:chOff x="0" y="0"/>
+          <a:chExt cx="0" cy="0"/>
+        </a:xfrm>
+      </p:grpSpPr>
+      <p:sp>
+        <p:nvSpPr>
+          <p:cNvPr id="2" name="Titel 1">
+            <a:extLst>
+              <a:ext uri="{FF2B5EF4-FFF2-40B4-BE49-F238E27FC236}">
+                <a16:creationId xmlns:a16="http://schemas.microsoft.com/office/drawing/2014/main" id="{D5DC24AB-5602-4165-9117-126F43521154}"/>
+              </a:ext>
+            </a:extLst>
+          </p:cNvPr>
+          <p:cNvSpPr>
+            <a:spLocks noGrp="1"/>
+          </p:cNvSpPr>
+          <p:nvPr>
+            <p:ph type="title"/>
+          </p:nvPr>
+        </p:nvSpPr>
+        <p:spPr/>
+        <p:txBody>
+          <a:bodyPr/>
+          <a:lstStyle/>
+          <a:p>
+            <a:r>
+              <a:rPr lang="de-DE" dirty="0">
+                <a:latin typeface="Calibri" panose="020F0502020204030204" pitchFamily="34" charset="0"/>
+                <a:cs typeface="Calibri" panose="020F0502020204030204" pitchFamily="34" charset="0"/>
+              </a:rPr>
+              <a:t>Verwendung</a:t>
+            </a:r>
+          </a:p>
+        </p:txBody>
+      </p:sp>
+      <p:sp>
+        <p:nvSpPr>
+          <p:cNvPr id="3" name="Inhaltsplatzhalter 2">
+            <a:extLst>
+              <a:ext uri="{FF2B5EF4-FFF2-40B4-BE49-F238E27FC236}">
+                <a16:creationId xmlns:a16="http://schemas.microsoft.com/office/drawing/2014/main" id="{46BF4038-F353-4B92-9544-40C94CF27C58}"/>
+              </a:ext>
+            </a:extLst>
+          </p:cNvPr>
+          <p:cNvSpPr>
+            <a:spLocks noGrp="1"/>
+          </p:cNvSpPr>
+          <p:nvPr>
+            <p:ph idx="1"/>
+          </p:nvPr>
+        </p:nvSpPr>
+        <p:spPr/>
+        <p:txBody>
+          <a:bodyPr/>
+          <a:lstStyle/>
+          <a:p>
+            <a:r>
+              <a:rPr lang="de-DE" dirty="0">
+                <a:latin typeface="Calibri" panose="020F0502020204030204" pitchFamily="34" charset="0"/>
+                <a:cs typeface="Calibri" panose="020F0502020204030204" pitchFamily="34" charset="0"/>
+              </a:rPr>
+              <a:t>Abstrakte Klassen sind Default Implementierungen aus denen andere Klassen, Basiselemente übernehmen und überschreiben. </a:t>
+            </a:r>
+          </a:p>
+          <a:p>
+            <a:r>
+              <a:rPr lang="de-DE" dirty="0">
+                <a:latin typeface="Calibri" panose="020F0502020204030204" pitchFamily="34" charset="0"/>
+                <a:cs typeface="Calibri" panose="020F0502020204030204" pitchFamily="34" charset="0"/>
+              </a:rPr>
+              <a:t>Vorteil: wichtiges ist dabei und wird nicht vergessen.</a:t>
+            </a:r>
+          </a:p>
+          <a:p>
+            <a:r>
+              <a:rPr lang="de-DE" dirty="0">
+                <a:latin typeface="Calibri" panose="020F0502020204030204" pitchFamily="34" charset="0"/>
+                <a:cs typeface="Calibri" panose="020F0502020204030204" pitchFamily="34" charset="0"/>
+              </a:rPr>
+              <a:t>Bsp.: Säugetiere als </a:t>
+            </a:r>
+            <a:r>
+              <a:rPr lang="de-DE" dirty="0" err="1">
+                <a:latin typeface="Calibri" panose="020F0502020204030204" pitchFamily="34" charset="0"/>
+                <a:cs typeface="Calibri" panose="020F0502020204030204" pitchFamily="34" charset="0"/>
+              </a:rPr>
+              <a:t>abstracte</a:t>
+            </a:r>
+            <a:r>
+              <a:rPr lang="de-DE" dirty="0">
+                <a:latin typeface="Calibri" panose="020F0502020204030204" pitchFamily="34" charset="0"/>
+                <a:cs typeface="Calibri" panose="020F0502020204030204" pitchFamily="34" charset="0"/>
+              </a:rPr>
+              <a:t> klasse und die jeweiligen Tiere als Subklassen</a:t>
+            </a:r>
+          </a:p>
+          <a:p>
+            <a:endParaRPr lang="de-DE" dirty="0"/>
+          </a:p>
+        </p:txBody>
+      </p:sp>
+    </p:spTree>
+    <p:extLst>
+      <p:ext uri="{BB962C8B-B14F-4D97-AF65-F5344CB8AC3E}">
+        <p14:creationId xmlns:p14="http://schemas.microsoft.com/office/powerpoint/2010/main" val="3946767739"/>
+      </p:ext>
+    </p:extLst>
+  </p:cSld>
+  <p:clrMapOvr>
+    <a:masterClrMapping/>
+  </p:clrMapOvr>
+</p:sld>
+</file>
+
+<file path=ppt/slides/slide16.xml><?xml version="1.0" encoding="utf-8"?>
+<p:sld xmlns:a="http://schemas.openxmlformats.org/drawingml/2006/main" xmlns:r="http://schemas.openxmlformats.org/officeDocument/2006/relationships" xmlns:p="http://schemas.openxmlformats.org/presentationml/2006/main">
+  <p:cSld>
+    <p:spTree>
+      <p:nvGrpSpPr>
+        <p:cNvPr id="1" name=""/>
+        <p:cNvGrpSpPr/>
+        <p:nvPr/>
+      </p:nvGrpSpPr>
+      <p:grpSpPr>
+        <a:xfrm>
+          <a:off x="0" y="0"/>
+          <a:ext cx="0" cy="0"/>
+          <a:chOff x="0" y="0"/>
+          <a:chExt cx="0" cy="0"/>
+        </a:xfrm>
+      </p:grpSpPr>
+      <p:sp>
+        <p:nvSpPr>
+          <p:cNvPr id="2" name="Titel 1">
+            <a:extLst>
+              <a:ext uri="{FF2B5EF4-FFF2-40B4-BE49-F238E27FC236}">
                 <a16:creationId xmlns:a16="http://schemas.microsoft.com/office/drawing/2014/main" id="{089558E9-5B35-4CA0-A013-8ACF2F06A653}"/>
               </a:ext>
             </a:extLst>
@@ -6509,16 +9380,12 @@
           <a:p>
             <a:pPr lvl="1"/>
             <a:r>
-              <a:rPr lang="de-DE" dirty="0" err="1">
-                <a:latin typeface="Calibri" panose="020F0502020204030204" pitchFamily="34" charset="0"/>
-                <a:cs typeface="Calibri" panose="020F0502020204030204" pitchFamily="34" charset="0"/>
-              </a:rPr>
-              <a:t>Hirarchiebildung</a:t>
-            </a:r>
-            <a:endParaRPr lang="de-DE" dirty="0">
-              <a:latin typeface="Calibri" panose="020F0502020204030204" pitchFamily="34" charset="0"/>
-              <a:cs typeface="Calibri" panose="020F0502020204030204" pitchFamily="34" charset="0"/>
-            </a:endParaRPr>
+              <a:rPr lang="de-DE" dirty="0">
+                <a:latin typeface="Calibri" panose="020F0502020204030204" pitchFamily="34" charset="0"/>
+                <a:cs typeface="Calibri" panose="020F0502020204030204" pitchFamily="34" charset="0"/>
+              </a:rPr>
+              <a:t>Hierarchiebildung</a:t>
+            </a:r>
           </a:p>
           <a:p>
             <a:pPr lvl="1"/>
@@ -7400,7 +10267,7 @@
           <p:cNvPr id="2" name="Titel 1">
             <a:extLst>
               <a:ext uri="{FF2B5EF4-FFF2-40B4-BE49-F238E27FC236}">
-                <a16:creationId xmlns:a16="http://schemas.microsoft.com/office/drawing/2014/main" id="{E619F47B-C6D2-4033-BCA1-5653BCF4868C}"/>
+                <a16:creationId xmlns:a16="http://schemas.microsoft.com/office/drawing/2014/main" id="{9BB4801A-E232-4DB2-AA77-F95968226FA7}"/>
               </a:ext>
             </a:extLst>
           </p:cNvPr>
@@ -7417,12 +10284,16 @@
           <a:lstStyle/>
           <a:p>
             <a:r>
-              <a:rPr lang="de-DE" dirty="0">
-                <a:latin typeface="Calibri" panose="020F0502020204030204" pitchFamily="34" charset="0"/>
-                <a:cs typeface="Calibri" panose="020F0502020204030204" pitchFamily="34" charset="0"/>
-              </a:rPr>
-              <a:t>Abstrakte Klassen und Methoden</a:t>
-            </a:r>
+              <a:rPr lang="de-DE" dirty="0" err="1">
+                <a:latin typeface="Calibri" panose="020F0502020204030204" pitchFamily="34" charset="0"/>
+                <a:cs typeface="Calibri" panose="020F0502020204030204" pitchFamily="34" charset="0"/>
+              </a:rPr>
+              <a:t>Typenhierachien</a:t>
+            </a:r>
+            <a:endParaRPr lang="de-DE" dirty="0">
+              <a:latin typeface="Calibri" panose="020F0502020204030204" pitchFamily="34" charset="0"/>
+              <a:cs typeface="Calibri" panose="020F0502020204030204" pitchFamily="34" charset="0"/>
+            </a:endParaRPr>
           </a:p>
         </p:txBody>
       </p:sp>
@@ -7431,7 +10302,7 @@
           <p:cNvPr id="3" name="Inhaltsplatzhalter 2">
             <a:extLst>
               <a:ext uri="{FF2B5EF4-FFF2-40B4-BE49-F238E27FC236}">
-                <a16:creationId xmlns:a16="http://schemas.microsoft.com/office/drawing/2014/main" id="{9FEA2A9B-F7C0-4E9D-A5EC-E4C16737228C}"/>
+                <a16:creationId xmlns:a16="http://schemas.microsoft.com/office/drawing/2014/main" id="{F8191FD0-6BBE-4D09-A2BE-CCE503DB83B4}"/>
               </a:ext>
             </a:extLst>
           </p:cNvPr>
@@ -7442,7 +10313,12 @@
             <p:ph idx="1"/>
           </p:nvPr>
         </p:nvSpPr>
-        <p:spPr/>
+        <p:spPr>
+          <a:xfrm>
+            <a:off x="913795" y="2298583"/>
+            <a:ext cx="6904744" cy="3492617"/>
+          </a:xfrm>
+        </p:spPr>
         <p:txBody>
           <a:bodyPr/>
           <a:lstStyle/>
@@ -7452,111 +10328,480 @@
                 <a:latin typeface="Calibri" panose="020F0502020204030204" pitchFamily="34" charset="0"/>
                 <a:cs typeface="Calibri" panose="020F0502020204030204" pitchFamily="34" charset="0"/>
               </a:rPr>
-              <a:t>können nicht instanziiert werden</a:t>
-            </a:r>
-          </a:p>
-          <a:p>
-            <a:r>
-              <a:rPr lang="de-DE" dirty="0">
-                <a:latin typeface="Calibri" panose="020F0502020204030204" pitchFamily="34" charset="0"/>
-                <a:cs typeface="Calibri" panose="020F0502020204030204" pitchFamily="34" charset="0"/>
-              </a:rPr>
-              <a:t>Klassen, die von abstrakten Klassen erben, müssen die abstrakten Methoden implementieren oder selbst abstrakt sein</a:t>
-            </a:r>
-          </a:p>
-          <a:p>
-            <a:r>
-              <a:rPr lang="de-DE" dirty="0">
-                <a:latin typeface="Calibri" panose="020F0502020204030204" pitchFamily="34" charset="0"/>
-                <a:cs typeface="Calibri" panose="020F0502020204030204" pitchFamily="34" charset="0"/>
-              </a:rPr>
-              <a:t>abstrakte Methoden bestehen nur aus Signaturen </a:t>
+              <a:t>Zuweisungen zu „höheren“ Typen immer möglich:</a:t>
             </a:r>
           </a:p>
           <a:p>
             <a:pPr lvl="1"/>
             <a:r>
               <a:rPr lang="de-DE" dirty="0">
-                <a:latin typeface="Calibri" panose="020F0502020204030204" pitchFamily="34" charset="0"/>
-                <a:cs typeface="Calibri" panose="020F0502020204030204" pitchFamily="34" charset="0"/>
-              </a:rPr>
-              <a:t>Bsp.: </a:t>
+                <a:latin typeface="Courier New" panose="02070309020205020404" pitchFamily="49" charset="0"/>
+                <a:cs typeface="Courier New" panose="02070309020205020404" pitchFamily="49" charset="0"/>
+              </a:rPr>
+              <a:t>Animal </a:t>
             </a:r>
             <a:r>
               <a:rPr lang="de-DE" dirty="0" err="1">
-                <a:latin typeface="Calibri" panose="020F0502020204030204" pitchFamily="34" charset="0"/>
-                <a:cs typeface="Calibri" panose="020F0502020204030204" pitchFamily="34" charset="0"/>
-              </a:rPr>
-              <a:t>abstract</a:t>
-            </a:r>
-            <a:r>
-              <a:rPr lang="de-DE" dirty="0">
-                <a:latin typeface="Calibri" panose="020F0502020204030204" pitchFamily="34" charset="0"/>
-                <a:cs typeface="Calibri" panose="020F0502020204030204" pitchFamily="34" charset="0"/>
-              </a:rPr>
-              <a:t> </a:t>
+                <a:latin typeface="Courier New" panose="02070309020205020404" pitchFamily="49" charset="0"/>
+                <a:cs typeface="Courier New" panose="02070309020205020404" pitchFamily="49" charset="0"/>
+              </a:rPr>
+              <a:t>lucifer</a:t>
+            </a:r>
+            <a:r>
+              <a:rPr lang="de-DE" dirty="0">
+                <a:latin typeface="Courier New" panose="02070309020205020404" pitchFamily="49" charset="0"/>
+                <a:cs typeface="Courier New" panose="02070309020205020404" pitchFamily="49" charset="0"/>
+              </a:rPr>
+              <a:t> = </a:t>
             </a:r>
             <a:r>
               <a:rPr lang="de-DE" dirty="0" err="1">
-                <a:latin typeface="Calibri" panose="020F0502020204030204" pitchFamily="34" charset="0"/>
-                <a:cs typeface="Calibri" panose="020F0502020204030204" pitchFamily="34" charset="0"/>
-              </a:rPr>
-              <a:t>public</a:t>
-            </a:r>
-            <a:r>
-              <a:rPr lang="de-DE" dirty="0">
-                <a:latin typeface="Calibri" panose="020F0502020204030204" pitchFamily="34" charset="0"/>
-                <a:cs typeface="Calibri" panose="020F0502020204030204" pitchFamily="34" charset="0"/>
-              </a:rPr>
-              <a:t> </a:t>
+                <a:latin typeface="Courier New" panose="02070309020205020404" pitchFamily="49" charset="0"/>
+                <a:cs typeface="Courier New" panose="02070309020205020404" pitchFamily="49" charset="0"/>
+              </a:rPr>
+              <a:t>new</a:t>
+            </a:r>
+            <a:r>
+              <a:rPr lang="de-DE" dirty="0">
+                <a:latin typeface="Courier New" panose="02070309020205020404" pitchFamily="49" charset="0"/>
+                <a:cs typeface="Courier New" panose="02070309020205020404" pitchFamily="49" charset="0"/>
+              </a:rPr>
+              <a:t> Cat();</a:t>
+            </a:r>
+          </a:p>
+          <a:p>
+            <a:pPr marL="457200" lvl="1" indent="0">
+              <a:buNone/>
+            </a:pPr>
+            <a:endParaRPr lang="de-DE" dirty="0"/>
+          </a:p>
+          <a:p>
+            <a:r>
+              <a:rPr lang="de-DE" dirty="0">
+                <a:latin typeface="Calibri" panose="020F0502020204030204" pitchFamily="34" charset="0"/>
+                <a:cs typeface="Calibri" panose="020F0502020204030204" pitchFamily="34" charset="0"/>
+              </a:rPr>
+              <a:t>Zuweisung zu „kleineren“ Typen nicht möglich:</a:t>
+            </a:r>
+          </a:p>
+          <a:p>
+            <a:pPr lvl="1"/>
+            <a:r>
+              <a:rPr lang="de-DE" dirty="0">
+                <a:latin typeface="Courier New" panose="02070309020205020404" pitchFamily="49" charset="0"/>
+                <a:cs typeface="Courier New" panose="02070309020205020404" pitchFamily="49" charset="0"/>
+              </a:rPr>
+              <a:t>Cat </a:t>
             </a:r>
             <a:r>
               <a:rPr lang="de-DE" dirty="0" err="1">
-                <a:latin typeface="Calibri" panose="020F0502020204030204" pitchFamily="34" charset="0"/>
-                <a:cs typeface="Calibri" panose="020F0502020204030204" pitchFamily="34" charset="0"/>
-              </a:rPr>
-              <a:t>void</a:t>
-            </a:r>
-            <a:r>
-              <a:rPr lang="de-DE" dirty="0">
-                <a:latin typeface="Calibri" panose="020F0502020204030204" pitchFamily="34" charset="0"/>
-                <a:cs typeface="Calibri" panose="020F0502020204030204" pitchFamily="34" charset="0"/>
-              </a:rPr>
-              <a:t> </a:t>
+                <a:latin typeface="Courier New" panose="02070309020205020404" pitchFamily="49" charset="0"/>
+                <a:cs typeface="Courier New" panose="02070309020205020404" pitchFamily="49" charset="0"/>
+              </a:rPr>
+              <a:t>randomName</a:t>
+            </a:r>
+            <a:r>
+              <a:rPr lang="de-DE" dirty="0">
+                <a:latin typeface="Courier New" panose="02070309020205020404" pitchFamily="49" charset="0"/>
+                <a:cs typeface="Courier New" panose="02070309020205020404" pitchFamily="49" charset="0"/>
+              </a:rPr>
+              <a:t> = </a:t>
             </a:r>
             <a:r>
               <a:rPr lang="de-DE" dirty="0" err="1">
-                <a:latin typeface="Calibri" panose="020F0502020204030204" pitchFamily="34" charset="0"/>
-                <a:cs typeface="Calibri" panose="020F0502020204030204" pitchFamily="34" charset="0"/>
-              </a:rPr>
-              <a:t>setArea</a:t>
-            </a:r>
-            <a:r>
-              <a:rPr lang="de-DE" dirty="0">
-                <a:latin typeface="Calibri" panose="020F0502020204030204" pitchFamily="34" charset="0"/>
-                <a:cs typeface="Calibri" panose="020F0502020204030204" pitchFamily="34" charset="0"/>
-              </a:rPr>
-              <a:t>(); //von subklasse zu Implementieren</a:t>
-            </a:r>
-          </a:p>
-          <a:p>
-            <a:r>
-              <a:rPr lang="de-DE" dirty="0">
-                <a:latin typeface="Calibri" panose="020F0502020204030204" pitchFamily="34" charset="0"/>
-                <a:cs typeface="Calibri" panose="020F0502020204030204" pitchFamily="34" charset="0"/>
-              </a:rPr>
-              <a:t>ist ein „Versprechen“ diese Methode in allen Subklassen zu haben</a:t>
-            </a:r>
-          </a:p>
-          <a:p>
+                <a:latin typeface="Courier New" panose="02070309020205020404" pitchFamily="49" charset="0"/>
+                <a:cs typeface="Courier New" panose="02070309020205020404" pitchFamily="49" charset="0"/>
+              </a:rPr>
+              <a:t>new</a:t>
+            </a:r>
+            <a:r>
+              <a:rPr lang="de-DE" dirty="0">
+                <a:latin typeface="Courier New" panose="02070309020205020404" pitchFamily="49" charset="0"/>
+                <a:cs typeface="Courier New" panose="02070309020205020404" pitchFamily="49" charset="0"/>
+              </a:rPr>
+              <a:t> Animal();</a:t>
+            </a:r>
+          </a:p>
+          <a:p>
+            <a:pPr lvl="1"/>
+            <a:r>
+              <a:rPr lang="de-DE" dirty="0">
+                <a:latin typeface="Calibri" panose="020F0502020204030204" pitchFamily="34" charset="0"/>
+                <a:cs typeface="Calibri" panose="020F0502020204030204" pitchFamily="34" charset="0"/>
+              </a:rPr>
+              <a:t>Dabei kommt eine </a:t>
+            </a:r>
+            <a:r>
+              <a:rPr lang="de-DE" dirty="0" err="1">
+                <a:latin typeface="Calibri" panose="020F0502020204030204" pitchFamily="34" charset="0"/>
+                <a:cs typeface="Calibri" panose="020F0502020204030204" pitchFamily="34" charset="0"/>
+              </a:rPr>
+              <a:t>ClassCastExeption</a:t>
+            </a:r>
+            <a:endParaRPr lang="de-DE" dirty="0">
+              <a:latin typeface="Calibri" panose="020F0502020204030204" pitchFamily="34" charset="0"/>
+              <a:cs typeface="Calibri" panose="020F0502020204030204" pitchFamily="34" charset="0"/>
+            </a:endParaRPr>
+          </a:p>
+          <a:p>
+            <a:pPr marL="36900" indent="0">
+              <a:buNone/>
+            </a:pPr>
             <a:endParaRPr lang="de-DE" dirty="0"/>
+          </a:p>
+        </p:txBody>
+      </p:sp>
+      <p:sp>
+        <p:nvSpPr>
+          <p:cNvPr id="4" name="Ellipse 3">
+            <a:extLst>
+              <a:ext uri="{FF2B5EF4-FFF2-40B4-BE49-F238E27FC236}">
+                <a16:creationId xmlns:a16="http://schemas.microsoft.com/office/drawing/2014/main" id="{C3C1C219-17B6-4DD2-AF74-4354A75BACBA}"/>
+              </a:ext>
+            </a:extLst>
+          </p:cNvPr>
+          <p:cNvSpPr/>
+          <p:nvPr/>
+        </p:nvSpPr>
+        <p:spPr>
+          <a:xfrm>
+            <a:off x="7933358" y="2603791"/>
+            <a:ext cx="1627502" cy="651554"/>
+          </a:xfrm>
+          <a:prstGeom prst="ellipse">
+            <a:avLst/>
+          </a:prstGeom>
+          <a:solidFill>
+            <a:schemeClr val="bg1">
+              <a:lumMod val="95000"/>
+              <a:lumOff val="5000"/>
+            </a:schemeClr>
+          </a:solidFill>
+          <a:ln>
+            <a:noFill/>
+          </a:ln>
+        </p:spPr>
+        <p:style>
+          <a:lnRef idx="3">
+            <a:schemeClr val="lt1"/>
+          </a:lnRef>
+          <a:fillRef idx="1002">
+            <a:schemeClr val="dk2"/>
+          </a:fillRef>
+          <a:effectRef idx="1">
+            <a:schemeClr val="dk1"/>
+          </a:effectRef>
+          <a:fontRef idx="minor">
+            <a:schemeClr val="lt1"/>
+          </a:fontRef>
+        </p:style>
+        <p:txBody>
+          <a:bodyPr rtlCol="0" anchor="ctr"/>
+          <a:lstStyle/>
+          <a:p>
+            <a:pPr algn="ctr"/>
+            <a:r>
+              <a:rPr lang="de-DE" sz="2000" dirty="0">
+                <a:latin typeface="Calibri" panose="020F0502020204030204" pitchFamily="34" charset="0"/>
+                <a:cs typeface="Calibri" panose="020F0502020204030204" pitchFamily="34" charset="0"/>
+              </a:rPr>
+              <a:t>Animal</a:t>
+            </a:r>
+          </a:p>
+        </p:txBody>
+      </p:sp>
+      <p:sp>
+        <p:nvSpPr>
+          <p:cNvPr id="5" name="Ellipse 4">
+            <a:extLst>
+              <a:ext uri="{FF2B5EF4-FFF2-40B4-BE49-F238E27FC236}">
+                <a16:creationId xmlns:a16="http://schemas.microsoft.com/office/drawing/2014/main" id="{B5AE474A-3F06-43D9-91EC-F047284293A0}"/>
+              </a:ext>
+            </a:extLst>
+          </p:cNvPr>
+          <p:cNvSpPr/>
+          <p:nvPr/>
+        </p:nvSpPr>
+        <p:spPr>
+          <a:xfrm>
+            <a:off x="7478611" y="4041530"/>
+            <a:ext cx="1027826" cy="651554"/>
+          </a:xfrm>
+          <a:prstGeom prst="ellipse">
+            <a:avLst/>
+          </a:prstGeom>
+          <a:solidFill>
+            <a:schemeClr val="bg1">
+              <a:lumMod val="95000"/>
+              <a:lumOff val="5000"/>
+            </a:schemeClr>
+          </a:solidFill>
+          <a:ln>
+            <a:noFill/>
+          </a:ln>
+        </p:spPr>
+        <p:style>
+          <a:lnRef idx="3">
+            <a:schemeClr val="lt1"/>
+          </a:lnRef>
+          <a:fillRef idx="1002">
+            <a:schemeClr val="dk2"/>
+          </a:fillRef>
+          <a:effectRef idx="1">
+            <a:schemeClr val="dk1"/>
+          </a:effectRef>
+          <a:fontRef idx="minor">
+            <a:schemeClr val="lt1"/>
+          </a:fontRef>
+        </p:style>
+        <p:txBody>
+          <a:bodyPr rtlCol="0" anchor="ctr"/>
+          <a:lstStyle/>
+          <a:p>
+            <a:pPr algn="ctr"/>
+            <a:r>
+              <a:rPr lang="de-DE" sz="2000" dirty="0">
+                <a:latin typeface="Calibri" panose="020F0502020204030204" pitchFamily="34" charset="0"/>
+                <a:cs typeface="Calibri" panose="020F0502020204030204" pitchFamily="34" charset="0"/>
+              </a:rPr>
+              <a:t>Dog</a:t>
+            </a:r>
+          </a:p>
+        </p:txBody>
+      </p:sp>
+      <p:sp>
+        <p:nvSpPr>
+          <p:cNvPr id="6" name="Ellipse 5">
+            <a:extLst>
+              <a:ext uri="{FF2B5EF4-FFF2-40B4-BE49-F238E27FC236}">
+                <a16:creationId xmlns:a16="http://schemas.microsoft.com/office/drawing/2014/main" id="{15142557-08C2-4C63-A7CA-C381F72DD3F3}"/>
+              </a:ext>
+            </a:extLst>
+          </p:cNvPr>
+          <p:cNvSpPr/>
+          <p:nvPr/>
+        </p:nvSpPr>
+        <p:spPr>
+          <a:xfrm>
+            <a:off x="8940778" y="4026290"/>
+            <a:ext cx="1027826" cy="651554"/>
+          </a:xfrm>
+          <a:prstGeom prst="ellipse">
+            <a:avLst/>
+          </a:prstGeom>
+          <a:solidFill>
+            <a:schemeClr val="bg1">
+              <a:lumMod val="95000"/>
+              <a:lumOff val="5000"/>
+            </a:schemeClr>
+          </a:solidFill>
+          <a:ln>
+            <a:noFill/>
+          </a:ln>
+        </p:spPr>
+        <p:style>
+          <a:lnRef idx="3">
+            <a:schemeClr val="lt1"/>
+          </a:lnRef>
+          <a:fillRef idx="1002">
+            <a:schemeClr val="dk2"/>
+          </a:fillRef>
+          <a:effectRef idx="1">
+            <a:schemeClr val="dk1"/>
+          </a:effectRef>
+          <a:fontRef idx="minor">
+            <a:schemeClr val="lt1"/>
+          </a:fontRef>
+        </p:style>
+        <p:txBody>
+          <a:bodyPr rtlCol="0" anchor="ctr"/>
+          <a:lstStyle/>
+          <a:p>
+            <a:pPr algn="ctr"/>
+            <a:r>
+              <a:rPr lang="de-DE" sz="2000" dirty="0">
+                <a:latin typeface="Calibri" panose="020F0502020204030204" pitchFamily="34" charset="0"/>
+                <a:cs typeface="Calibri" panose="020F0502020204030204" pitchFamily="34" charset="0"/>
+              </a:rPr>
+              <a:t>Cat</a:t>
+            </a:r>
+          </a:p>
+        </p:txBody>
+      </p:sp>
+      <p:cxnSp>
+        <p:nvCxnSpPr>
+          <p:cNvPr id="7" name="Gerade Verbindung mit Pfeil 6">
+            <a:extLst>
+              <a:ext uri="{FF2B5EF4-FFF2-40B4-BE49-F238E27FC236}">
+                <a16:creationId xmlns:a16="http://schemas.microsoft.com/office/drawing/2014/main" id="{B6A9AAA2-D53D-4A3B-9B8C-D96916CCAC84}"/>
+              </a:ext>
+            </a:extLst>
+          </p:cNvPr>
+          <p:cNvCxnSpPr>
+            <a:cxnSpLocks/>
+          </p:cNvCxnSpPr>
+          <p:nvPr/>
+        </p:nvCxnSpPr>
+        <p:spPr>
+          <a:xfrm flipV="1">
+            <a:off x="8003982" y="3308405"/>
+            <a:ext cx="300445" cy="664823"/>
+          </a:xfrm>
+          <a:prstGeom prst="straightConnector1">
+            <a:avLst/>
+          </a:prstGeom>
+          <a:ln>
+            <a:solidFill>
+              <a:schemeClr val="bg2">
+                <a:lumMod val="10000"/>
+                <a:lumOff val="90000"/>
+              </a:schemeClr>
+            </a:solidFill>
+            <a:tailEnd type="triangle"/>
+          </a:ln>
+        </p:spPr>
+        <p:style>
+          <a:lnRef idx="1">
+            <a:schemeClr val="accent3"/>
+          </a:lnRef>
+          <a:fillRef idx="0">
+            <a:schemeClr val="accent3"/>
+          </a:fillRef>
+          <a:effectRef idx="0">
+            <a:schemeClr val="accent3"/>
+          </a:effectRef>
+          <a:fontRef idx="minor">
+            <a:schemeClr val="tx1"/>
+          </a:fontRef>
+        </p:style>
+      </p:cxnSp>
+      <p:cxnSp>
+        <p:nvCxnSpPr>
+          <p:cNvPr id="8" name="Gerade Verbindung mit Pfeil 7">
+            <a:extLst>
+              <a:ext uri="{FF2B5EF4-FFF2-40B4-BE49-F238E27FC236}">
+                <a16:creationId xmlns:a16="http://schemas.microsoft.com/office/drawing/2014/main" id="{E6DA7228-02B7-4C34-8231-F861D4966B52}"/>
+              </a:ext>
+            </a:extLst>
+          </p:cNvPr>
+          <p:cNvCxnSpPr>
+            <a:cxnSpLocks/>
+          </p:cNvCxnSpPr>
+          <p:nvPr/>
+        </p:nvCxnSpPr>
+        <p:spPr>
+          <a:xfrm flipH="1" flipV="1">
+            <a:off x="9090760" y="3308407"/>
+            <a:ext cx="240027" cy="664821"/>
+          </a:xfrm>
+          <a:prstGeom prst="straightConnector1">
+            <a:avLst/>
+          </a:prstGeom>
+          <a:ln>
+            <a:solidFill>
+              <a:schemeClr val="bg2">
+                <a:lumMod val="10000"/>
+                <a:lumOff val="90000"/>
+              </a:schemeClr>
+            </a:solidFill>
+            <a:tailEnd type="triangle"/>
+          </a:ln>
+        </p:spPr>
+        <p:style>
+          <a:lnRef idx="1">
+            <a:schemeClr val="accent3"/>
+          </a:lnRef>
+          <a:fillRef idx="0">
+            <a:schemeClr val="accent3"/>
+          </a:fillRef>
+          <a:effectRef idx="0">
+            <a:schemeClr val="accent3"/>
+          </a:effectRef>
+          <a:fontRef idx="minor">
+            <a:schemeClr val="tx1"/>
+          </a:fontRef>
+        </p:style>
+      </p:cxnSp>
+      <p:sp>
+        <p:nvSpPr>
+          <p:cNvPr id="9" name="Textfeld 8">
+            <a:extLst>
+              <a:ext uri="{FF2B5EF4-FFF2-40B4-BE49-F238E27FC236}">
+                <a16:creationId xmlns:a16="http://schemas.microsoft.com/office/drawing/2014/main" id="{E441B9CC-6CA2-4F14-A0F9-08D8A78E4C05}"/>
+              </a:ext>
+            </a:extLst>
+          </p:cNvPr>
+          <p:cNvSpPr txBox="1"/>
+          <p:nvPr/>
+        </p:nvSpPr>
+        <p:spPr>
+          <a:xfrm>
+            <a:off x="10079406" y="2729513"/>
+            <a:ext cx="1627502" cy="400110"/>
+          </a:xfrm>
+          <a:prstGeom prst="rect">
+            <a:avLst/>
+          </a:prstGeom>
+          <a:noFill/>
+        </p:spPr>
+        <p:txBody>
+          <a:bodyPr wrap="square" rtlCol="0">
+            <a:spAutoFit/>
+          </a:bodyPr>
+          <a:lstStyle/>
+          <a:p>
+            <a:r>
+              <a:rPr lang="de-DE" sz="2000" dirty="0">
+                <a:latin typeface="Calibri" panose="020F0502020204030204" pitchFamily="34" charset="0"/>
+                <a:cs typeface="Calibri" panose="020F0502020204030204" pitchFamily="34" charset="0"/>
+              </a:rPr>
+              <a:t>Oberklasse</a:t>
+            </a:r>
+          </a:p>
+        </p:txBody>
+      </p:sp>
+      <p:sp>
+        <p:nvSpPr>
+          <p:cNvPr id="10" name="Textfeld 9">
+            <a:extLst>
+              <a:ext uri="{FF2B5EF4-FFF2-40B4-BE49-F238E27FC236}">
+                <a16:creationId xmlns:a16="http://schemas.microsoft.com/office/drawing/2014/main" id="{25AD0F92-775A-4EA1-A9C1-8CE46433B369}"/>
+              </a:ext>
+            </a:extLst>
+          </p:cNvPr>
+          <p:cNvSpPr txBox="1"/>
+          <p:nvPr/>
+        </p:nvSpPr>
+        <p:spPr>
+          <a:xfrm>
+            <a:off x="10079406" y="4170028"/>
+            <a:ext cx="1782627" cy="400110"/>
+          </a:xfrm>
+          <a:prstGeom prst="rect">
+            <a:avLst/>
+          </a:prstGeom>
+          <a:noFill/>
+        </p:spPr>
+        <p:txBody>
+          <a:bodyPr wrap="square" rtlCol="0">
+            <a:spAutoFit/>
+          </a:bodyPr>
+          <a:lstStyle/>
+          <a:p>
+            <a:r>
+              <a:rPr lang="de-DE" sz="2000" dirty="0">
+                <a:latin typeface="Calibri" panose="020F0502020204030204" pitchFamily="34" charset="0"/>
+                <a:cs typeface="Calibri" panose="020F0502020204030204" pitchFamily="34" charset="0"/>
+              </a:rPr>
+              <a:t>Unterklassen</a:t>
+            </a:r>
           </a:p>
         </p:txBody>
       </p:sp>
     </p:spTree>
     <p:extLst>
       <p:ext uri="{BB962C8B-B14F-4D97-AF65-F5344CB8AC3E}">
-        <p14:creationId xmlns:p14="http://schemas.microsoft.com/office/powerpoint/2010/main" val="1036796411"/>
+        <p14:creationId xmlns:p14="http://schemas.microsoft.com/office/powerpoint/2010/main" val="1935134556"/>
       </p:ext>
     </p:extLst>
   </p:cSld>
@@ -7588,7 +10833,7 @@
           <p:cNvPr id="2" name="Titel 1">
             <a:extLst>
               <a:ext uri="{FF2B5EF4-FFF2-40B4-BE49-F238E27FC236}">
-                <a16:creationId xmlns:a16="http://schemas.microsoft.com/office/drawing/2014/main" id="{D5DC24AB-5602-4165-9117-126F43521154}"/>
+                <a16:creationId xmlns:a16="http://schemas.microsoft.com/office/drawing/2014/main" id="{34C6F3D6-3ECF-4B59-960B-5E8C9BE436FC}"/>
               </a:ext>
             </a:extLst>
           </p:cNvPr>
@@ -7609,7 +10854,7 @@
                 <a:latin typeface="Calibri" panose="020F0502020204030204" pitchFamily="34" charset="0"/>
                 <a:cs typeface="Calibri" panose="020F0502020204030204" pitchFamily="34" charset="0"/>
               </a:rPr>
-              <a:t>Verwendung</a:t>
+              <a:t>Typanpassung</a:t>
             </a:r>
           </a:p>
         </p:txBody>
@@ -7619,7 +10864,7 @@
           <p:cNvPr id="3" name="Inhaltsplatzhalter 2">
             <a:extLst>
               <a:ext uri="{FF2B5EF4-FFF2-40B4-BE49-F238E27FC236}">
-                <a16:creationId xmlns:a16="http://schemas.microsoft.com/office/drawing/2014/main" id="{46BF4038-F353-4B92-9544-40C94CF27C58}"/>
+                <a16:creationId xmlns:a16="http://schemas.microsoft.com/office/drawing/2014/main" id="{4972EBB2-FCC1-4EC1-8686-6393B358A2EA}"/>
               </a:ext>
             </a:extLst>
           </p:cNvPr>
@@ -7630,7 +10875,12 @@
             <p:ph idx="1"/>
           </p:nvPr>
         </p:nvSpPr>
-        <p:spPr/>
+        <p:spPr>
+          <a:xfrm>
+            <a:off x="913795" y="2105025"/>
+            <a:ext cx="10353762" cy="3686175"/>
+          </a:xfrm>
+        </p:spPr>
         <p:txBody>
           <a:bodyPr/>
           <a:lstStyle/>
@@ -7640,50 +10890,136 @@
                 <a:latin typeface="Calibri" panose="020F0502020204030204" pitchFamily="34" charset="0"/>
                 <a:cs typeface="Calibri" panose="020F0502020204030204" pitchFamily="34" charset="0"/>
               </a:rPr>
-              <a:t>Abstrakte Klassen sind Default Implementierungen aus denen andere Klassen, Basiselemente übernehmen und überschreiben. </a:t>
-            </a:r>
-          </a:p>
-          <a:p>
-            <a:r>
-              <a:rPr lang="de-DE" dirty="0">
-                <a:latin typeface="Calibri" panose="020F0502020204030204" pitchFamily="34" charset="0"/>
-                <a:cs typeface="Calibri" panose="020F0502020204030204" pitchFamily="34" charset="0"/>
-              </a:rPr>
-              <a:t>Vorteil: wichtiges ist dabei und wird nicht vergessen.</a:t>
-            </a:r>
-          </a:p>
-          <a:p>
-            <a:r>
-              <a:rPr lang="de-DE" dirty="0">
-                <a:latin typeface="Calibri" panose="020F0502020204030204" pitchFamily="34" charset="0"/>
-                <a:cs typeface="Calibri" panose="020F0502020204030204" pitchFamily="34" charset="0"/>
-              </a:rPr>
-              <a:t>Bsp.: Säugetiere als </a:t>
-            </a:r>
+              <a:t>= Casting</a:t>
+            </a:r>
+          </a:p>
+          <a:p>
+            <a:r>
+              <a:rPr lang="de-DE" dirty="0">
+                <a:latin typeface="Calibri" panose="020F0502020204030204" pitchFamily="34" charset="0"/>
+                <a:cs typeface="Calibri" panose="020F0502020204030204" pitchFamily="34" charset="0"/>
+              </a:rPr>
+              <a:t>Ein Allgemeiner Typ soll zu einem konkreteren Typen angepasst werden:</a:t>
+            </a:r>
+          </a:p>
+          <a:p>
+            <a:pPr marL="450000" lvl="1" indent="0">
+              <a:buNone/>
+            </a:pPr>
             <a:r>
               <a:rPr lang="de-DE" dirty="0" err="1">
-                <a:latin typeface="Calibri" panose="020F0502020204030204" pitchFamily="34" charset="0"/>
-                <a:cs typeface="Calibri" panose="020F0502020204030204" pitchFamily="34" charset="0"/>
-              </a:rPr>
-              <a:t>abstracte</a:t>
-            </a:r>
-            <a:r>
-              <a:rPr lang="de-DE" dirty="0">
-                <a:latin typeface="Calibri" panose="020F0502020204030204" pitchFamily="34" charset="0"/>
-                <a:cs typeface="Calibri" panose="020F0502020204030204" pitchFamily="34" charset="0"/>
-              </a:rPr>
-              <a:t> klasse und die jeweiligen Tiere als Subklassen</a:t>
-            </a:r>
-          </a:p>
-          <a:p>
-            <a:endParaRPr lang="de-DE" dirty="0"/>
+                <a:latin typeface="Courier New" panose="02070309020205020404" pitchFamily="49" charset="0"/>
+                <a:cs typeface="Courier New" panose="02070309020205020404" pitchFamily="49" charset="0"/>
+              </a:rPr>
+              <a:t>Object</a:t>
+            </a:r>
+            <a:r>
+              <a:rPr lang="de-DE" dirty="0">
+                <a:latin typeface="Courier New" panose="02070309020205020404" pitchFamily="49" charset="0"/>
+                <a:cs typeface="Courier New" panose="02070309020205020404" pitchFamily="49" charset="0"/>
+              </a:rPr>
+              <a:t> o = </a:t>
+            </a:r>
+            <a:r>
+              <a:rPr lang="de-DE" dirty="0" err="1">
+                <a:latin typeface="Courier New" panose="02070309020205020404" pitchFamily="49" charset="0"/>
+                <a:cs typeface="Courier New" panose="02070309020205020404" pitchFamily="49" charset="0"/>
+              </a:rPr>
+              <a:t>new</a:t>
+            </a:r>
+            <a:r>
+              <a:rPr lang="de-DE" dirty="0">
+                <a:latin typeface="Courier New" panose="02070309020205020404" pitchFamily="49" charset="0"/>
+                <a:cs typeface="Courier New" panose="02070309020205020404" pitchFamily="49" charset="0"/>
+              </a:rPr>
+              <a:t> Cat();</a:t>
+            </a:r>
+            <a:br>
+              <a:rPr lang="de-DE" dirty="0">
+                <a:latin typeface="Courier New" panose="02070309020205020404" pitchFamily="49" charset="0"/>
+                <a:cs typeface="Courier New" panose="02070309020205020404" pitchFamily="49" charset="0"/>
+              </a:rPr>
+            </a:br>
+            <a:r>
+              <a:rPr lang="de-DE" dirty="0">
+                <a:latin typeface="Courier New" panose="02070309020205020404" pitchFamily="49" charset="0"/>
+                <a:cs typeface="Courier New" panose="02070309020205020404" pitchFamily="49" charset="0"/>
+              </a:rPr>
+              <a:t>Cat c = (Cat)o;</a:t>
+            </a:r>
+          </a:p>
+          <a:p>
+            <a:pPr marL="450000" lvl="1" indent="0">
+              <a:buNone/>
+            </a:pPr>
+            <a:r>
+              <a:rPr lang="de-DE" dirty="0" err="1">
+                <a:latin typeface="Courier New" panose="02070309020205020404" pitchFamily="49" charset="0"/>
+                <a:cs typeface="Courier New" panose="02070309020205020404" pitchFamily="49" charset="0"/>
+              </a:rPr>
+              <a:t>Object</a:t>
+            </a:r>
+            <a:r>
+              <a:rPr lang="de-DE" dirty="0">
+                <a:latin typeface="Courier New" panose="02070309020205020404" pitchFamily="49" charset="0"/>
+                <a:cs typeface="Courier New" panose="02070309020205020404" pitchFamily="49" charset="0"/>
+              </a:rPr>
+              <a:t> o = </a:t>
+            </a:r>
+            <a:r>
+              <a:rPr lang="de-DE" dirty="0" err="1">
+                <a:latin typeface="Courier New" panose="02070309020205020404" pitchFamily="49" charset="0"/>
+                <a:cs typeface="Courier New" panose="02070309020205020404" pitchFamily="49" charset="0"/>
+              </a:rPr>
+              <a:t>new</a:t>
+            </a:r>
+            <a:r>
+              <a:rPr lang="de-DE" dirty="0">
+                <a:latin typeface="Courier New" panose="02070309020205020404" pitchFamily="49" charset="0"/>
+                <a:cs typeface="Courier New" panose="02070309020205020404" pitchFamily="49" charset="0"/>
+              </a:rPr>
+              <a:t> Dog();</a:t>
+            </a:r>
+            <a:br>
+              <a:rPr lang="de-DE" dirty="0">
+                <a:latin typeface="Courier New" panose="02070309020205020404" pitchFamily="49" charset="0"/>
+                <a:cs typeface="Courier New" panose="02070309020205020404" pitchFamily="49" charset="0"/>
+              </a:rPr>
+            </a:br>
+            <a:r>
+              <a:rPr lang="de-DE" dirty="0">
+                <a:latin typeface="Courier New" panose="02070309020205020404" pitchFamily="49" charset="0"/>
+                <a:cs typeface="Courier New" panose="02070309020205020404" pitchFamily="49" charset="0"/>
+              </a:rPr>
+              <a:t>Cat c = (Cat)o				//</a:t>
+            </a:r>
+            <a:r>
+              <a:rPr lang="de-DE" dirty="0" err="1">
+                <a:latin typeface="Courier New" panose="02070309020205020404" pitchFamily="49" charset="0"/>
+                <a:cs typeface="Courier New" panose="02070309020205020404" pitchFamily="49" charset="0"/>
+              </a:rPr>
+              <a:t>ClassCastExeption</a:t>
+            </a:r>
+            <a:endParaRPr lang="de-DE" dirty="0">
+              <a:latin typeface="Courier New" panose="02070309020205020404" pitchFamily="49" charset="0"/>
+              <a:cs typeface="Courier New" panose="02070309020205020404" pitchFamily="49" charset="0"/>
+            </a:endParaRPr>
+          </a:p>
+          <a:p>
+            <a:r>
+              <a:rPr lang="de-DE" dirty="0">
+                <a:latin typeface="Calibri" panose="020F0502020204030204" pitchFamily="34" charset="0"/>
+                <a:cs typeface="Calibri" panose="020F0502020204030204" pitchFamily="34" charset="0"/>
+              </a:rPr>
+              <a:t>Die Überprüfung findet erst zur Laufzeit statt</a:t>
+            </a:r>
           </a:p>
         </p:txBody>
       </p:sp>
     </p:spTree>
     <p:extLst>
       <p:ext uri="{BB962C8B-B14F-4D97-AF65-F5344CB8AC3E}">
-        <p14:creationId xmlns:p14="http://schemas.microsoft.com/office/powerpoint/2010/main" val="3946767739"/>
+        <p14:creationId xmlns:p14="http://schemas.microsoft.com/office/powerpoint/2010/main" val="2468134059"/>
       </p:ext>
     </p:extLst>
   </p:cSld>

--- a/Nachdenkzettel/03_Vererbung_präsi.pptx
+++ b/Nachdenkzettel/03_Vererbung_präsi.pptx
@@ -313,7 +313,7 @@
             <a:fld id="{8E36636D-D922-432D-A958-524484B5923D}" type="datetimeFigureOut">
               <a:rPr lang="en-US" dirty="0"/>
               <a:pPr/>
-              <a:t>11/4/2020</a:t>
+              <a:t>11/5/2020</a:t>
             </a:fld>
             <a:endParaRPr lang="en-US" dirty="0"/>
           </a:p>
@@ -607,7 +607,7 @@
           <a:p>
             <a:fld id="{48A87A34-81AB-432B-8DAE-1953F412C126}" type="datetimeFigureOut">
               <a:rPr lang="en-US" dirty="0"/>
-              <a:t>11/4/2020</a:t>
+              <a:t>11/5/2020</a:t>
             </a:fld>
             <a:endParaRPr lang="en-US" dirty="0"/>
           </a:p>
@@ -794,7 +794,7 @@
           <a:p>
             <a:fld id="{48A87A34-81AB-432B-8DAE-1953F412C126}" type="datetimeFigureOut">
               <a:rPr lang="en-US" dirty="0"/>
-              <a:t>11/4/2020</a:t>
+              <a:t>11/5/2020</a:t>
             </a:fld>
             <a:endParaRPr lang="en-US" dirty="0"/>
           </a:p>
@@ -1050,7 +1050,7 @@
           <a:p>
             <a:fld id="{48A87A34-81AB-432B-8DAE-1953F412C126}" type="datetimeFigureOut">
               <a:rPr lang="en-US" dirty="0"/>
-              <a:t>11/4/2020</a:t>
+              <a:t>11/5/2020</a:t>
             </a:fld>
             <a:endParaRPr lang="en-US" dirty="0"/>
           </a:p>
@@ -1469,7 +1469,7 @@
           <a:p>
             <a:fld id="{48A87A34-81AB-432B-8DAE-1953F412C126}" type="datetimeFigureOut">
               <a:rPr lang="en-US" dirty="0"/>
-              <a:t>11/4/2020</a:t>
+              <a:t>11/5/2020</a:t>
             </a:fld>
             <a:endParaRPr lang="en-US" dirty="0"/>
           </a:p>
@@ -2001,7 +2001,7 @@
           <a:p>
             <a:fld id="{48A87A34-81AB-432B-8DAE-1953F412C126}" type="datetimeFigureOut">
               <a:rPr lang="en-US" dirty="0"/>
-              <a:t>11/4/2020</a:t>
+              <a:t>11/5/2020</a:t>
             </a:fld>
             <a:endParaRPr lang="en-US" dirty="0"/>
           </a:p>
@@ -2860,7 +2860,7 @@
           <a:p>
             <a:fld id="{48A87A34-81AB-432B-8DAE-1953F412C126}" type="datetimeFigureOut">
               <a:rPr lang="en-US" dirty="0"/>
-              <a:t>11/4/2020</a:t>
+              <a:t>11/5/2020</a:t>
             </a:fld>
             <a:endParaRPr lang="en-US" dirty="0"/>
           </a:p>
@@ -3026,7 +3026,7 @@
             <a:fld id="{8E36636D-D922-432D-A958-524484B5923D}" type="datetimeFigureOut">
               <a:rPr lang="en-US" dirty="0"/>
               <a:pPr/>
-              <a:t>11/4/2020</a:t>
+              <a:t>11/5/2020</a:t>
             </a:fld>
             <a:endParaRPr lang="en-US" dirty="0"/>
           </a:p>
@@ -3207,7 +3207,7 @@
             <a:fld id="{8E36636D-D922-432D-A958-524484B5923D}" type="datetimeFigureOut">
               <a:rPr lang="en-US" dirty="0"/>
               <a:pPr/>
-              <a:t>11/4/2020</a:t>
+              <a:t>11/5/2020</a:t>
             </a:fld>
             <a:endParaRPr lang="en-US" dirty="0"/>
           </a:p>
@@ -3374,7 +3374,7 @@
             <a:fld id="{8E36636D-D922-432D-A958-524484B5923D}" type="datetimeFigureOut">
               <a:rPr lang="en-US" dirty="0"/>
               <a:pPr/>
-              <a:t>11/4/2020</a:t>
+              <a:t>11/5/2020</a:t>
             </a:fld>
             <a:endParaRPr lang="en-US" dirty="0"/>
           </a:p>
@@ -3615,7 +3615,7 @@
             <a:fld id="{8E36636D-D922-432D-A958-524484B5923D}" type="datetimeFigureOut">
               <a:rPr lang="en-US" dirty="0"/>
               <a:pPr/>
-              <a:t>11/4/2020</a:t>
+              <a:t>11/5/2020</a:t>
             </a:fld>
             <a:endParaRPr lang="en-US" dirty="0"/>
           </a:p>
@@ -3848,7 +3848,7 @@
             <a:fld id="{8E36636D-D922-432D-A958-524484B5923D}" type="datetimeFigureOut">
               <a:rPr lang="en-US" dirty="0"/>
               <a:pPr/>
-              <a:t>11/4/2020</a:t>
+              <a:t>11/5/2020</a:t>
             </a:fld>
             <a:endParaRPr lang="en-US" dirty="0"/>
           </a:p>
@@ -4311,7 +4311,7 @@
             <a:fld id="{8E36636D-D922-432D-A958-524484B5923D}" type="datetimeFigureOut">
               <a:rPr lang="en-US" dirty="0"/>
               <a:pPr/>
-              <a:t>11/4/2020</a:t>
+              <a:t>11/5/2020</a:t>
             </a:fld>
             <a:endParaRPr lang="en-US" dirty="0"/>
           </a:p>
@@ -4426,7 +4426,7 @@
             <a:fld id="{8E36636D-D922-432D-A958-524484B5923D}" type="datetimeFigureOut">
               <a:rPr lang="en-US" dirty="0"/>
               <a:pPr/>
-              <a:t>11/4/2020</a:t>
+              <a:t>11/5/2020</a:t>
             </a:fld>
             <a:endParaRPr lang="en-US" dirty="0"/>
           </a:p>
@@ -4518,7 +4518,7 @@
             <a:fld id="{8E36636D-D922-432D-A958-524484B5923D}" type="datetimeFigureOut">
               <a:rPr lang="en-US" dirty="0"/>
               <a:pPr/>
-              <a:t>11/4/2020</a:t>
+              <a:t>11/5/2020</a:t>
             </a:fld>
             <a:endParaRPr lang="en-US" dirty="0"/>
           </a:p>
@@ -4770,7 +4770,7 @@
             <a:fld id="{8E36636D-D922-432D-A958-524484B5923D}" type="datetimeFigureOut">
               <a:rPr lang="en-US" dirty="0"/>
               <a:pPr/>
-              <a:t>11/4/2020</a:t>
+              <a:t>11/5/2020</a:t>
             </a:fld>
             <a:endParaRPr lang="en-US" dirty="0"/>
           </a:p>
@@ -5067,7 +5067,7 @@
             <a:fld id="{8E36636D-D922-432D-A958-524484B5923D}" type="datetimeFigureOut">
               <a:rPr lang="en-US" dirty="0"/>
               <a:pPr/>
-              <a:t>11/4/2020</a:t>
+              <a:t>11/5/2020</a:t>
             </a:fld>
             <a:endParaRPr lang="en-US" dirty="0"/>
           </a:p>
@@ -5298,7 +5298,7 @@
             <a:fld id="{8E36636D-D922-432D-A958-524484B5923D}" type="datetimeFigureOut">
               <a:rPr lang="en-US" dirty="0"/>
               <a:pPr/>
-              <a:t>11/4/2020</a:t>
+              <a:t>11/5/2020</a:t>
             </a:fld>
             <a:endParaRPr lang="en-US" dirty="0"/>
           </a:p>
@@ -10328,7 +10328,7 @@
                 <a:latin typeface="Calibri" panose="020F0502020204030204" pitchFamily="34" charset="0"/>
                 <a:cs typeface="Calibri" panose="020F0502020204030204" pitchFamily="34" charset="0"/>
               </a:rPr>
-              <a:t>Zuweisungen zu „höheren“ Typen immer möglich:</a:t>
+              <a:t>Zuweisungen zu abgeleiteten Typen immer möglich:</a:t>
             </a:r>
           </a:p>
           <a:p>
@@ -10381,7 +10381,7 @@
                 <a:latin typeface="Calibri" panose="020F0502020204030204" pitchFamily="34" charset="0"/>
                 <a:cs typeface="Calibri" panose="020F0502020204030204" pitchFamily="34" charset="0"/>
               </a:rPr>
-              <a:t>Zuweisung zu „kleineren“ Typen nicht möglich:</a:t>
+              <a:t>Initialisierung mit „kleineren“ Typen nicht möglich:</a:t>
             </a:r>
           </a:p>
           <a:p>

--- a/Nachdenkzettel/03_Vererbung_präsi.pptx
+++ b/Nachdenkzettel/03_Vererbung_präsi.pptx
@@ -10328,7 +10328,21 @@
                 <a:latin typeface="Calibri" panose="020F0502020204030204" pitchFamily="34" charset="0"/>
                 <a:cs typeface="Calibri" panose="020F0502020204030204" pitchFamily="34" charset="0"/>
               </a:rPr>
-              <a:t>Zuweisungen zu abgeleiteten Typen immer möglich:</a:t>
+              <a:t>Zuweisungen zu </a:t>
+            </a:r>
+            <a:r>
+              <a:rPr lang="de-DE">
+                <a:latin typeface="Calibri" panose="020F0502020204030204" pitchFamily="34" charset="0"/>
+                <a:cs typeface="Calibri" panose="020F0502020204030204" pitchFamily="34" charset="0"/>
+              </a:rPr>
+              <a:t>„kleineren“ </a:t>
+            </a:r>
+            <a:r>
+              <a:rPr lang="de-DE" dirty="0">
+                <a:latin typeface="Calibri" panose="020F0502020204030204" pitchFamily="34" charset="0"/>
+                <a:cs typeface="Calibri" panose="020F0502020204030204" pitchFamily="34" charset="0"/>
+              </a:rPr>
+              <a:t>Typen immer möglich:</a:t>
             </a:r>
           </a:p>
           <a:p>
@@ -10381,7 +10395,7 @@
                 <a:latin typeface="Calibri" panose="020F0502020204030204" pitchFamily="34" charset="0"/>
                 <a:cs typeface="Calibri" panose="020F0502020204030204" pitchFamily="34" charset="0"/>
               </a:rPr>
-              <a:t>Initialisierung mit „kleineren“ Typen nicht möglich:</a:t>
+              <a:t>Zuweisung zu „größeren“ Typen nicht möglich:</a:t>
             </a:r>
           </a:p>
           <a:p>
@@ -10907,18 +10921,50 @@
               <a:buNone/>
             </a:pPr>
             <a:r>
+              <a:rPr lang="de-DE" dirty="0">
+                <a:latin typeface="Courier New" panose="02070309020205020404" pitchFamily="49" charset="0"/>
+                <a:cs typeface="Courier New" panose="02070309020205020404" pitchFamily="49" charset="0"/>
+              </a:rPr>
+              <a:t>Animal a = </a:t>
+            </a:r>
+            <a:r>
               <a:rPr lang="de-DE" dirty="0" err="1">
                 <a:latin typeface="Courier New" panose="02070309020205020404" pitchFamily="49" charset="0"/>
                 <a:cs typeface="Courier New" panose="02070309020205020404" pitchFamily="49" charset="0"/>
               </a:rPr>
-              <a:t>Object</a:t>
-            </a:r>
-            <a:r>
-              <a:rPr lang="de-DE" dirty="0">
-                <a:latin typeface="Courier New" panose="02070309020205020404" pitchFamily="49" charset="0"/>
-                <a:cs typeface="Courier New" panose="02070309020205020404" pitchFamily="49" charset="0"/>
-              </a:rPr>
-              <a:t> o = </a:t>
+              <a:t>new</a:t>
+            </a:r>
+            <a:r>
+              <a:rPr lang="de-DE" dirty="0">
+                <a:latin typeface="Courier New" panose="02070309020205020404" pitchFamily="49" charset="0"/>
+                <a:cs typeface="Courier New" panose="02070309020205020404" pitchFamily="49" charset="0"/>
+              </a:rPr>
+              <a:t> Cat();</a:t>
+            </a:r>
+            <a:br>
+              <a:rPr lang="de-DE" dirty="0">
+                <a:latin typeface="Courier New" panose="02070309020205020404" pitchFamily="49" charset="0"/>
+                <a:cs typeface="Courier New" panose="02070309020205020404" pitchFamily="49" charset="0"/>
+              </a:rPr>
+            </a:br>
+            <a:r>
+              <a:rPr lang="de-DE" dirty="0">
+                <a:latin typeface="Courier New" panose="02070309020205020404" pitchFamily="49" charset="0"/>
+                <a:cs typeface="Courier New" panose="02070309020205020404" pitchFamily="49" charset="0"/>
+              </a:rPr>
+              <a:t>Cat c = (Cat)a;</a:t>
+            </a:r>
+          </a:p>
+          <a:p>
+            <a:pPr marL="450000" lvl="1" indent="0">
+              <a:buNone/>
+            </a:pPr>
+            <a:r>
+              <a:rPr lang="de-DE" dirty="0">
+                <a:latin typeface="Courier New" panose="02070309020205020404" pitchFamily="49" charset="0"/>
+                <a:cs typeface="Courier New" panose="02070309020205020404" pitchFamily="49" charset="0"/>
+              </a:rPr>
+              <a:t>Animal a = </a:t>
             </a:r>
             <a:r>
               <a:rPr lang="de-DE" dirty="0" err="1">
@@ -10932,7 +10978,7 @@
                 <a:latin typeface="Courier New" panose="02070309020205020404" pitchFamily="49" charset="0"/>
                 <a:cs typeface="Courier New" panose="02070309020205020404" pitchFamily="49" charset="0"/>
               </a:rPr>
-              <a:t> Cat();</a:t>
+              <a:t> Dog();</a:t>
             </a:r>
             <a:br>
               <a:rPr lang="de-DE" dirty="0">
@@ -10945,53 +10991,7 @@
                 <a:latin typeface="Courier New" panose="02070309020205020404" pitchFamily="49" charset="0"/>
                 <a:cs typeface="Courier New" panose="02070309020205020404" pitchFamily="49" charset="0"/>
               </a:rPr>
-              <a:t>Cat c = (Cat)o;</a:t>
-            </a:r>
-          </a:p>
-          <a:p>
-            <a:pPr marL="450000" lvl="1" indent="0">
-              <a:buNone/>
-            </a:pPr>
-            <a:r>
-              <a:rPr lang="de-DE" dirty="0" err="1">
-                <a:latin typeface="Courier New" panose="02070309020205020404" pitchFamily="49" charset="0"/>
-                <a:cs typeface="Courier New" panose="02070309020205020404" pitchFamily="49" charset="0"/>
-              </a:rPr>
-              <a:t>Object</a:t>
-            </a:r>
-            <a:r>
-              <a:rPr lang="de-DE" dirty="0">
-                <a:latin typeface="Courier New" panose="02070309020205020404" pitchFamily="49" charset="0"/>
-                <a:cs typeface="Courier New" panose="02070309020205020404" pitchFamily="49" charset="0"/>
-              </a:rPr>
-              <a:t> o = </a:t>
-            </a:r>
-            <a:r>
-              <a:rPr lang="de-DE" dirty="0" err="1">
-                <a:latin typeface="Courier New" panose="02070309020205020404" pitchFamily="49" charset="0"/>
-                <a:cs typeface="Courier New" panose="02070309020205020404" pitchFamily="49" charset="0"/>
-              </a:rPr>
-              <a:t>new</a:t>
-            </a:r>
-            <a:r>
-              <a:rPr lang="de-DE" dirty="0">
-                <a:latin typeface="Courier New" panose="02070309020205020404" pitchFamily="49" charset="0"/>
-                <a:cs typeface="Courier New" panose="02070309020205020404" pitchFamily="49" charset="0"/>
-              </a:rPr>
-              <a:t> Dog();</a:t>
-            </a:r>
-            <a:br>
-              <a:rPr lang="de-DE" dirty="0">
-                <a:latin typeface="Courier New" panose="02070309020205020404" pitchFamily="49" charset="0"/>
-                <a:cs typeface="Courier New" panose="02070309020205020404" pitchFamily="49" charset="0"/>
-              </a:rPr>
-            </a:br>
-            <a:r>
-              <a:rPr lang="de-DE" dirty="0">
-                <a:latin typeface="Courier New" panose="02070309020205020404" pitchFamily="49" charset="0"/>
-                <a:cs typeface="Courier New" panose="02070309020205020404" pitchFamily="49" charset="0"/>
-              </a:rPr>
-              <a:t>Cat c = (Cat)o				//</a:t>
+              <a:t>Cat c = (Cat)a				//</a:t>
             </a:r>
             <a:r>
               <a:rPr lang="de-DE" dirty="0" err="1">
